--- a/progress.pptx
+++ b/progress.pptx
@@ -18,11 +18,14 @@
     <p:sldId id="269" r:id="rId12"/>
     <p:sldId id="272" r:id="rId13"/>
     <p:sldId id="268" r:id="rId14"/>
-    <p:sldId id="273" r:id="rId15"/>
-    <p:sldId id="271" r:id="rId16"/>
-    <p:sldId id="259" r:id="rId17"/>
-    <p:sldId id="266" r:id="rId18"/>
-    <p:sldId id="260" r:id="rId19"/>
+    <p:sldId id="275" r:id="rId15"/>
+    <p:sldId id="276" r:id="rId16"/>
+    <p:sldId id="274" r:id="rId17"/>
+    <p:sldId id="273" r:id="rId18"/>
+    <p:sldId id="271" r:id="rId19"/>
+    <p:sldId id="259" r:id="rId20"/>
+    <p:sldId id="266" r:id="rId21"/>
+    <p:sldId id="260" r:id="rId22"/>
   </p:sldIdLst>
   <p:sldSz cx="12192000" cy="6858000"/>
   <p:notesSz cx="6858000" cy="9144000"/>
@@ -3316,15 +3319,7 @@
             </a:br>
             <a:r>
               <a:rPr lang="en-US" dirty="0" smtClean="0"/>
-              <a:t>global </a:t>
-            </a:r>
-            <a:r>
-              <a:rPr lang="en-US" dirty="0" err="1" smtClean="0"/>
-              <a:t>minumim</a:t>
-            </a:r>
-            <a:r>
-              <a:rPr lang="en-US" dirty="0" smtClean="0"/>
-              <a:t>, while</a:t>
+              <a:t>global minimum, while</a:t>
             </a:r>
             <a:br>
               <a:rPr lang="en-US" dirty="0" smtClean="0"/>
@@ -3765,7 +3760,7 @@
         </p:blipFill>
         <p:spPr>
           <a:xfrm>
-            <a:off x="241300" y="1838292"/>
+            <a:off x="241300" y="2162754"/>
             <a:ext cx="5854700" cy="4394200"/>
           </a:xfrm>
           <a:prstGeom prst="rect">
@@ -3811,8 +3806,8 @@
         </p:nvSpPr>
         <p:spPr>
           <a:xfrm>
-            <a:off x="6341806" y="2438400"/>
-            <a:ext cx="5372625" cy="369332"/>
+            <a:off x="1155135" y="1622760"/>
+            <a:ext cx="3228320" cy="646331"/>
           </a:xfrm>
           <a:prstGeom prst="rect">
             <a:avLst/>
@@ -3827,7 +3822,83 @@
           <a:p>
             <a:r>
               <a:rPr lang="en-US" dirty="0" smtClean="0"/>
-              <a:t>Cut and splice does not seam to contribute significantly.</a:t>
+              <a:t>Cut and splice does not seam </a:t>
+            </a:r>
+            <a:r>
+              <a:rPr lang="en-US" smtClean="0"/>
+              <a:t>to </a:t>
+            </a:r>
+          </a:p>
+          <a:p>
+            <a:r>
+              <a:rPr lang="en-US" dirty="0" smtClean="0"/>
+              <a:t>contribute significantly.</a:t>
+            </a:r>
+            <a:endParaRPr lang="en-US" dirty="0"/>
+          </a:p>
+        </p:txBody>
+      </p:sp>
+      <p:pic>
+        <p:nvPicPr>
+          <p:cNvPr id="5" name="Picture 4"/>
+          <p:cNvPicPr>
+            <a:picLocks noChangeAspect="1"/>
+          </p:cNvPicPr>
+          <p:nvPr/>
+        </p:nvPicPr>
+        <p:blipFill>
+          <a:blip r:embed="rId3">
+            <a:extLst>
+              <a:ext uri="{28A0092B-C50C-407E-A947-70E740481C1C}">
+                <a14:useLocalDpi xmlns:a14="http://schemas.microsoft.com/office/drawing/2010/main" val="0"/>
+              </a:ext>
+            </a:extLst>
+          </a:blip>
+          <a:stretch>
+            <a:fillRect/>
+          </a:stretch>
+        </p:blipFill>
+        <p:spPr>
+          <a:xfrm>
+            <a:off x="6095999" y="2162754"/>
+            <a:ext cx="5854700" cy="4394200"/>
+          </a:xfrm>
+          <a:prstGeom prst="rect">
+            <a:avLst/>
+          </a:prstGeom>
+        </p:spPr>
+      </p:pic>
+      <p:sp>
+        <p:nvSpPr>
+          <p:cNvPr id="8" name="TextBox 7"/>
+          <p:cNvSpPr txBox="1"/>
+          <p:nvPr/>
+        </p:nvSpPr>
+        <p:spPr>
+          <a:xfrm>
+            <a:off x="7009835" y="1516423"/>
+            <a:ext cx="3275256" cy="646331"/>
+          </a:xfrm>
+          <a:prstGeom prst="rect">
+            <a:avLst/>
+          </a:prstGeom>
+          <a:noFill/>
+        </p:spPr>
+        <p:txBody>
+          <a:bodyPr wrap="none" rtlCol="0">
+            <a:spAutoFit/>
+          </a:bodyPr>
+          <a:lstStyle/>
+          <a:p>
+            <a:r>
+              <a:rPr lang="en-US" dirty="0" smtClean="0"/>
+              <a:t>The new rattle does not seam to </a:t>
+            </a:r>
+          </a:p>
+          <a:p>
+            <a:r>
+              <a:rPr lang="en-US" dirty="0" smtClean="0"/>
+              <a:t>contribute significantly.</a:t>
             </a:r>
             <a:endParaRPr lang="en-US" dirty="0"/>
           </a:p>
@@ -3880,7 +3951,23 @@
           <a:p>
             <a:r>
               <a:rPr lang="en-US" dirty="0" smtClean="0"/>
-              <a:t>Double step</a:t>
+              <a:t>Double step </a:t>
+            </a:r>
+            <a:r>
+              <a:rPr lang="mr-IN" dirty="0" smtClean="0"/>
+              <a:t>–</a:t>
+            </a:r>
+            <a:r>
+              <a:rPr lang="en-US" dirty="0" smtClean="0"/>
+              <a:t> </a:t>
+            </a:r>
+            <a:r>
+              <a:rPr lang="en-US" dirty="0" err="1" smtClean="0"/>
+              <a:t>mathias</a:t>
+            </a:r>
+            <a:r>
+              <a:rPr lang="en-US" dirty="0" smtClean="0"/>
+              <a:t>’ best</a:t>
             </a:r>
             <a:endParaRPr lang="en-US" dirty="0"/>
           </a:p>
@@ -4083,7 +4170,15 @@
           <a:p>
             <a:r>
               <a:rPr lang="en-US" dirty="0" smtClean="0"/>
-              <a:t>Double step</a:t>
+              <a:t>Double step </a:t>
+            </a:r>
+            <a:r>
+              <a:rPr lang="mr-IN" dirty="0" smtClean="0"/>
+              <a:t>–</a:t>
+            </a:r>
+            <a:r>
+              <a:rPr lang="en-US" dirty="0" smtClean="0"/>
+              <a:t> new best</a:t>
             </a:r>
             <a:endParaRPr lang="en-US" dirty="0"/>
           </a:p>
@@ -4091,7 +4186,7 @@
       </p:sp>
       <p:pic>
         <p:nvPicPr>
-          <p:cNvPr id="6" name="Picture 5"/>
+          <p:cNvPr id="3" name="Picture 2"/>
           <p:cNvPicPr>
             <a:picLocks noChangeAspect="1"/>
           </p:cNvPicPr>
@@ -4111,140 +4206,18 @@
         </p:blipFill>
         <p:spPr>
           <a:xfrm>
-            <a:off x="281449" y="1733346"/>
-            <a:ext cx="5854700" cy="4394200"/>
+            <a:off x="838200" y="1546309"/>
+            <a:ext cx="3313842" cy="2487178"/>
           </a:xfrm>
           <a:prstGeom prst="rect">
             <a:avLst/>
           </a:prstGeom>
         </p:spPr>
       </p:pic>
-      <p:pic>
-        <p:nvPicPr>
-          <p:cNvPr id="7" name="Picture 6"/>
-          <p:cNvPicPr>
-            <a:picLocks noChangeAspect="1"/>
-          </p:cNvPicPr>
-          <p:nvPr/>
-        </p:nvPicPr>
-        <p:blipFill>
-          <a:blip r:embed="rId3">
-            <a:extLst>
-              <a:ext uri="{28A0092B-C50C-407E-A947-70E740481C1C}">
-                <a14:useLocalDpi xmlns:a14="http://schemas.microsoft.com/office/drawing/2010/main" val="0"/>
-              </a:ext>
-            </a:extLst>
-          </a:blip>
-          <a:stretch>
-            <a:fillRect/>
-          </a:stretch>
-        </p:blipFill>
-        <p:spPr>
-          <a:xfrm>
-            <a:off x="6136149" y="1733346"/>
-            <a:ext cx="5854700" cy="4394200"/>
-          </a:xfrm>
-          <a:prstGeom prst="rect">
-            <a:avLst/>
-          </a:prstGeom>
-        </p:spPr>
-      </p:pic>
-      <p:sp>
-        <p:nvSpPr>
-          <p:cNvPr id="9" name="TextBox 8"/>
-          <p:cNvSpPr txBox="1"/>
-          <p:nvPr/>
-        </p:nvSpPr>
-        <p:spPr>
-          <a:xfrm>
-            <a:off x="2379407" y="1733346"/>
-            <a:ext cx="2004908" cy="369332"/>
-          </a:xfrm>
-          <a:prstGeom prst="rect">
-            <a:avLst/>
-          </a:prstGeom>
-          <a:noFill/>
-        </p:spPr>
-        <p:txBody>
-          <a:bodyPr wrap="none" rtlCol="0">
-            <a:spAutoFit/>
-          </a:bodyPr>
-          <a:lstStyle/>
-          <a:p>
-            <a:r>
-              <a:rPr lang="en-US" dirty="0" smtClean="0"/>
-              <a:t>Bias = mean(</a:t>
-            </a:r>
-            <a:r>
-              <a:rPr lang="en-US" dirty="0" err="1" smtClean="0"/>
-              <a:t>Etrain</a:t>
-            </a:r>
-            <a:r>
-              <a:rPr lang="en-US" dirty="0" smtClean="0"/>
-              <a:t>)</a:t>
-            </a:r>
-            <a:endParaRPr lang="en-US" dirty="0"/>
-          </a:p>
-        </p:txBody>
-      </p:sp>
-      <p:sp>
-        <p:nvSpPr>
-          <p:cNvPr id="12" name="TextBox 11"/>
-          <p:cNvSpPr txBox="1"/>
-          <p:nvPr/>
-        </p:nvSpPr>
-        <p:spPr>
-          <a:xfrm>
-            <a:off x="7396370" y="1733346"/>
-            <a:ext cx="3198055" cy="369332"/>
-          </a:xfrm>
-          <a:prstGeom prst="rect">
-            <a:avLst/>
-          </a:prstGeom>
-          <a:noFill/>
-        </p:spPr>
-        <p:txBody>
-          <a:bodyPr wrap="none" rtlCol="0">
-            <a:spAutoFit/>
-          </a:bodyPr>
-          <a:lstStyle/>
-          <a:p>
-            <a:r>
-              <a:rPr lang="en-US" dirty="0" smtClean="0"/>
-              <a:t>Bias = mean(</a:t>
-            </a:r>
-            <a:r>
-              <a:rPr lang="en-US" dirty="0" err="1" smtClean="0"/>
-              <a:t>Etrain</a:t>
-            </a:r>
-            <a:r>
-              <a:rPr lang="en-US" dirty="0" smtClean="0"/>
-              <a:t>) + </a:t>
-            </a:r>
-            <a:r>
-              <a:rPr lang="en-US" dirty="0" err="1" smtClean="0"/>
-              <a:t>std</a:t>
-            </a:r>
-            <a:r>
-              <a:rPr lang="en-US" dirty="0" smtClean="0"/>
-              <a:t>(</a:t>
-            </a:r>
-            <a:r>
-              <a:rPr lang="en-US" dirty="0" err="1" smtClean="0"/>
-              <a:t>Etrain</a:t>
-            </a:r>
-            <a:r>
-              <a:rPr lang="en-US" dirty="0" smtClean="0"/>
-              <a:t>)</a:t>
-            </a:r>
-            <a:endParaRPr lang="en-US" dirty="0"/>
-          </a:p>
-        </p:txBody>
-      </p:sp>
     </p:spTree>
     <p:extLst>
       <p:ext uri="{BB962C8B-B14F-4D97-AF65-F5344CB8AC3E}">
-        <p14:creationId xmlns:p14="http://schemas.microsoft.com/office/powerpoint/2010/main" val="1988573579"/>
+        <p14:creationId xmlns:p14="http://schemas.microsoft.com/office/powerpoint/2010/main" val="124505048"/>
       </p:ext>
     </p:extLst>
   </p:cSld>
@@ -4288,7 +4261,15 @@
           <a:p>
             <a:r>
               <a:rPr lang="en-US" dirty="0" smtClean="0"/>
-              <a:t>Double step</a:t>
+              <a:t>Double step </a:t>
+            </a:r>
+            <a:r>
+              <a:rPr lang="mr-IN" dirty="0" smtClean="0"/>
+              <a:t>–</a:t>
+            </a:r>
+            <a:r>
+              <a:rPr lang="en-US" dirty="0" smtClean="0"/>
+              <a:t> kernel width</a:t>
             </a:r>
             <a:endParaRPr lang="en-US" dirty="0"/>
           </a:p>
@@ -4296,7 +4277,7 @@
       </p:sp>
       <p:pic>
         <p:nvPicPr>
-          <p:cNvPr id="4" name="Picture 3"/>
+          <p:cNvPr id="3" name="Picture 2"/>
           <p:cNvPicPr>
             <a:picLocks noChangeAspect="1"/>
           </p:cNvPicPr>
@@ -4316,8 +4297,8 @@
         </p:blipFill>
         <p:spPr>
           <a:xfrm>
-            <a:off x="265064" y="1690688"/>
-            <a:ext cx="2932198" cy="1963584"/>
+            <a:off x="464575" y="1474838"/>
+            <a:ext cx="3313841" cy="4847303"/>
           </a:xfrm>
           <a:prstGeom prst="rect">
             <a:avLst/>
@@ -4326,7 +4307,7 @@
       </p:pic>
       <p:pic>
         <p:nvPicPr>
-          <p:cNvPr id="6" name="Picture 5"/>
+          <p:cNvPr id="4" name="Picture 3"/>
           <p:cNvPicPr>
             <a:picLocks noChangeAspect="1"/>
           </p:cNvPicPr>
@@ -4346,8 +4327,8 @@
         </p:blipFill>
         <p:spPr>
           <a:xfrm>
-            <a:off x="3986707" y="972930"/>
-            <a:ext cx="2584423" cy="1707461"/>
+            <a:off x="3778416" y="1474838"/>
+            <a:ext cx="3313841" cy="4847303"/>
           </a:xfrm>
           <a:prstGeom prst="rect">
             <a:avLst/>
@@ -4356,7 +4337,7 @@
       </p:pic>
       <p:pic>
         <p:nvPicPr>
-          <p:cNvPr id="7" name="Picture 6"/>
+          <p:cNvPr id="5" name="Picture 4"/>
           <p:cNvPicPr>
             <a:picLocks noChangeAspect="1"/>
           </p:cNvPicPr>
@@ -4376,114 +4357,24 @@
         </p:blipFill>
         <p:spPr>
           <a:xfrm>
-            <a:off x="6606869" y="972930"/>
-            <a:ext cx="2623312" cy="1829260"/>
+            <a:off x="7092257" y="1474838"/>
+            <a:ext cx="3313841" cy="4847303"/>
           </a:xfrm>
           <a:prstGeom prst="rect">
             <a:avLst/>
           </a:prstGeom>
         </p:spPr>
       </p:pic>
-      <p:pic>
-        <p:nvPicPr>
-          <p:cNvPr id="9" name="Picture 8"/>
-          <p:cNvPicPr>
-            <a:picLocks noChangeAspect="1"/>
-          </p:cNvPicPr>
-          <p:nvPr/>
-        </p:nvPicPr>
-        <p:blipFill>
-          <a:blip r:embed="rId5">
-            <a:extLst>
-              <a:ext uri="{28A0092B-C50C-407E-A947-70E740481C1C}">
-                <a14:useLocalDpi xmlns:a14="http://schemas.microsoft.com/office/drawing/2010/main" val="0"/>
-              </a:ext>
-            </a:extLst>
-          </a:blip>
-          <a:stretch>
-            <a:fillRect/>
-          </a:stretch>
-        </p:blipFill>
-        <p:spPr>
-          <a:xfrm>
-            <a:off x="9338333" y="966688"/>
-            <a:ext cx="2722456" cy="1835502"/>
-          </a:xfrm>
-          <a:prstGeom prst="rect">
-            <a:avLst/>
-          </a:prstGeom>
-        </p:spPr>
-      </p:pic>
-      <p:pic>
-        <p:nvPicPr>
-          <p:cNvPr id="12" name="Picture 11"/>
-          <p:cNvPicPr>
-            <a:picLocks noChangeAspect="1"/>
-          </p:cNvPicPr>
-          <p:nvPr/>
-        </p:nvPicPr>
-        <p:blipFill>
-          <a:blip r:embed="rId6">
-            <a:extLst>
-              <a:ext uri="{28A0092B-C50C-407E-A947-70E740481C1C}">
-                <a14:useLocalDpi xmlns:a14="http://schemas.microsoft.com/office/drawing/2010/main" val="0"/>
-              </a:ext>
-            </a:extLst>
-          </a:blip>
-          <a:stretch>
-            <a:fillRect/>
-          </a:stretch>
-        </p:blipFill>
-        <p:spPr>
-          <a:xfrm>
-            <a:off x="6390560" y="3032888"/>
-            <a:ext cx="2527300" cy="1688644"/>
-          </a:xfrm>
-          <a:prstGeom prst="rect">
-            <a:avLst/>
-          </a:prstGeom>
-        </p:spPr>
-      </p:pic>
-      <p:pic>
-        <p:nvPicPr>
-          <p:cNvPr id="13" name="Picture 12"/>
-          <p:cNvPicPr>
-            <a:picLocks noChangeAspect="1"/>
-          </p:cNvPicPr>
-          <p:nvPr/>
-        </p:nvPicPr>
-        <p:blipFill>
-          <a:blip r:embed="rId7">
-            <a:extLst>
-              <a:ext uri="{28A0092B-C50C-407E-A947-70E740481C1C}">
-                <a14:useLocalDpi xmlns:a14="http://schemas.microsoft.com/office/drawing/2010/main" val="0"/>
-              </a:ext>
-            </a:extLst>
-          </a:blip>
-          <a:stretch>
-            <a:fillRect/>
-          </a:stretch>
-        </p:blipFill>
-        <p:spPr>
-          <a:xfrm>
-            <a:off x="9435690" y="3032888"/>
-            <a:ext cx="2569497" cy="1718746"/>
-          </a:xfrm>
-          <a:prstGeom prst="rect">
-            <a:avLst/>
-          </a:prstGeom>
-        </p:spPr>
-      </p:pic>
-      <p:sp>
-        <p:nvSpPr>
-          <p:cNvPr id="14" name="TextBox 13"/>
+      <p:sp>
+        <p:nvSpPr>
+          <p:cNvPr id="6" name="TextBox 5"/>
           <p:cNvSpPr txBox="1"/>
           <p:nvPr/>
         </p:nvSpPr>
         <p:spPr>
           <a:xfrm>
-            <a:off x="1384950" y="1858297"/>
-            <a:ext cx="575799" cy="369332"/>
+            <a:off x="1573108" y="1592826"/>
+            <a:ext cx="1096775" cy="369332"/>
           </a:xfrm>
           <a:prstGeom prst="rect">
             <a:avLst/>
@@ -4498,7 +4389,7 @@
           <a:p>
             <a:r>
               <a:rPr lang="en-US" smtClean="0"/>
-              <a:t>Slab</a:t>
+              <a:t>Sigma=30</a:t>
             </a:r>
             <a:endParaRPr lang="en-US"/>
           </a:p>
@@ -4506,14 +4397,14 @@
       </p:sp>
       <p:sp>
         <p:nvSpPr>
-          <p:cNvPr id="16" name="TextBox 15"/>
+          <p:cNvPr id="7" name="TextBox 6"/>
           <p:cNvSpPr txBox="1"/>
           <p:nvPr/>
         </p:nvSpPr>
         <p:spPr>
           <a:xfrm>
-            <a:off x="4719483" y="776745"/>
-            <a:ext cx="301686" cy="369332"/>
+            <a:off x="4886948" y="1592826"/>
+            <a:ext cx="1096775" cy="369332"/>
           </a:xfrm>
           <a:prstGeom prst="rect">
             <a:avLst/>
@@ -4528,7 +4419,7 @@
           <a:p>
             <a:r>
               <a:rPr lang="en-US" dirty="0" smtClean="0"/>
-              <a:t>1</a:t>
+              <a:t>Sigma=10</a:t>
             </a:r>
             <a:endParaRPr lang="en-US" dirty="0"/>
           </a:p>
@@ -4536,14 +4427,14 @@
       </p:sp>
       <p:sp>
         <p:nvSpPr>
-          <p:cNvPr id="17" name="TextBox 16"/>
+          <p:cNvPr id="8" name="TextBox 7"/>
           <p:cNvSpPr txBox="1"/>
           <p:nvPr/>
         </p:nvSpPr>
         <p:spPr>
           <a:xfrm>
-            <a:off x="7492180" y="825907"/>
-            <a:ext cx="301686" cy="369332"/>
+            <a:off x="8200789" y="1592826"/>
+            <a:ext cx="979755" cy="369332"/>
           </a:xfrm>
           <a:prstGeom prst="rect">
             <a:avLst/>
@@ -4558,303 +4449,16 @@
           <a:p>
             <a:r>
               <a:rPr lang="en-US" dirty="0" smtClean="0"/>
-              <a:t>2</a:t>
+              <a:t>Sigma=3</a:t>
             </a:r>
             <a:endParaRPr lang="en-US" dirty="0"/>
-          </a:p>
-        </p:txBody>
-      </p:sp>
-      <p:sp>
-        <p:nvSpPr>
-          <p:cNvPr id="18" name="TextBox 17"/>
-          <p:cNvSpPr txBox="1"/>
-          <p:nvPr/>
-        </p:nvSpPr>
-        <p:spPr>
-          <a:xfrm>
-            <a:off x="10068232" y="825907"/>
-            <a:ext cx="301686" cy="369332"/>
-          </a:xfrm>
-          <a:prstGeom prst="rect">
-            <a:avLst/>
-          </a:prstGeom>
-          <a:noFill/>
-        </p:spPr>
-        <p:txBody>
-          <a:bodyPr wrap="none" rtlCol="0">
-            <a:spAutoFit/>
-          </a:bodyPr>
-          <a:lstStyle/>
-          <a:p>
-            <a:r>
-              <a:rPr lang="en-US" dirty="0" smtClean="0"/>
-              <a:t>3</a:t>
-            </a:r>
-            <a:endParaRPr lang="en-US" dirty="0"/>
-          </a:p>
-        </p:txBody>
-      </p:sp>
-      <p:sp>
-        <p:nvSpPr>
-          <p:cNvPr id="19" name="TextBox 18"/>
-          <p:cNvSpPr txBox="1"/>
-          <p:nvPr/>
-        </p:nvSpPr>
-        <p:spPr>
-          <a:xfrm>
-            <a:off x="7157884" y="2871019"/>
-            <a:ext cx="301686" cy="369332"/>
-          </a:xfrm>
-          <a:prstGeom prst="rect">
-            <a:avLst/>
-          </a:prstGeom>
-          <a:noFill/>
-        </p:spPr>
-        <p:txBody>
-          <a:bodyPr wrap="none" rtlCol="0">
-            <a:spAutoFit/>
-          </a:bodyPr>
-          <a:lstStyle/>
-          <a:p>
-            <a:r>
-              <a:rPr lang="en-US" dirty="0" smtClean="0"/>
-              <a:t>4</a:t>
-            </a:r>
-            <a:endParaRPr lang="en-US" dirty="0"/>
-          </a:p>
-        </p:txBody>
-      </p:sp>
-      <p:sp>
-        <p:nvSpPr>
-          <p:cNvPr id="20" name="TextBox 19"/>
-          <p:cNvSpPr txBox="1"/>
-          <p:nvPr/>
-        </p:nvSpPr>
-        <p:spPr>
-          <a:xfrm>
-            <a:off x="10019071" y="2861187"/>
-            <a:ext cx="301686" cy="369332"/>
-          </a:xfrm>
-          <a:prstGeom prst="rect">
-            <a:avLst/>
-          </a:prstGeom>
-          <a:noFill/>
-        </p:spPr>
-        <p:txBody>
-          <a:bodyPr wrap="none" rtlCol="0">
-            <a:spAutoFit/>
-          </a:bodyPr>
-          <a:lstStyle/>
-          <a:p>
-            <a:r>
-              <a:rPr lang="en-US" dirty="0" smtClean="0"/>
-              <a:t>5</a:t>
-            </a:r>
-            <a:endParaRPr lang="en-US" dirty="0"/>
-          </a:p>
-        </p:txBody>
-      </p:sp>
-      <p:pic>
-        <p:nvPicPr>
-          <p:cNvPr id="21" name="Picture 20"/>
-          <p:cNvPicPr>
-            <a:picLocks noChangeAspect="1"/>
-          </p:cNvPicPr>
-          <p:nvPr/>
-        </p:nvPicPr>
-        <p:blipFill>
-          <a:blip r:embed="rId8">
-            <a:extLst>
-              <a:ext uri="{28A0092B-C50C-407E-A947-70E740481C1C}">
-                <a14:useLocalDpi xmlns:a14="http://schemas.microsoft.com/office/drawing/2010/main" val="0"/>
-              </a:ext>
-            </a:extLst>
-          </a:blip>
-          <a:stretch>
-            <a:fillRect/>
-          </a:stretch>
-        </p:blipFill>
-        <p:spPr>
-          <a:xfrm>
-            <a:off x="730065" y="3891011"/>
-            <a:ext cx="3773109" cy="2627202"/>
-          </a:xfrm>
-          <a:prstGeom prst="rect">
-            <a:avLst/>
-          </a:prstGeom>
-        </p:spPr>
-      </p:pic>
-      <p:cxnSp>
-        <p:nvCxnSpPr>
-          <p:cNvPr id="23" name="Straight Arrow Connector 22"/>
-          <p:cNvCxnSpPr/>
-          <p:nvPr/>
-        </p:nvCxnSpPr>
-        <p:spPr>
-          <a:xfrm flipH="1">
-            <a:off x="4326193" y="5850194"/>
-            <a:ext cx="393290" cy="294967"/>
-          </a:xfrm>
-          <a:prstGeom prst="straightConnector1">
-            <a:avLst/>
-          </a:prstGeom>
-          <a:ln>
-            <a:tailEnd type="triangle"/>
-          </a:ln>
-        </p:spPr>
-        <p:style>
-          <a:lnRef idx="3">
-            <a:schemeClr val="dk1"/>
-          </a:lnRef>
-          <a:fillRef idx="0">
-            <a:schemeClr val="dk1"/>
-          </a:fillRef>
-          <a:effectRef idx="2">
-            <a:schemeClr val="dk1"/>
-          </a:effectRef>
-          <a:fontRef idx="minor">
-            <a:schemeClr val="tx1"/>
-          </a:fontRef>
-        </p:style>
-      </p:cxnSp>
-      <p:sp>
-        <p:nvSpPr>
-          <p:cNvPr id="24" name="TextBox 23"/>
-          <p:cNvSpPr txBox="1"/>
-          <p:nvPr/>
-        </p:nvSpPr>
-        <p:spPr>
-          <a:xfrm>
-            <a:off x="4575607" y="5518045"/>
-            <a:ext cx="1114408" cy="369332"/>
-          </a:xfrm>
-          <a:prstGeom prst="rect">
-            <a:avLst/>
-          </a:prstGeom>
-          <a:noFill/>
-        </p:spPr>
-        <p:txBody>
-          <a:bodyPr wrap="none" rtlCol="0">
-            <a:spAutoFit/>
-          </a:bodyPr>
-          <a:lstStyle/>
-          <a:p>
-            <a:r>
-              <a:rPr lang="en-US" dirty="0" smtClean="0"/>
-              <a:t>E = -763.7</a:t>
-            </a:r>
-            <a:endParaRPr lang="en-US" dirty="0"/>
-          </a:p>
-        </p:txBody>
-      </p:sp>
-      <p:sp>
-        <p:nvSpPr>
-          <p:cNvPr id="25" name="TextBox 24"/>
-          <p:cNvSpPr txBox="1"/>
-          <p:nvPr/>
-        </p:nvSpPr>
-        <p:spPr>
-          <a:xfrm>
-            <a:off x="4591101" y="6166971"/>
-            <a:ext cx="1375633" cy="369332"/>
-          </a:xfrm>
-          <a:prstGeom prst="rect">
-            <a:avLst/>
-          </a:prstGeom>
-          <a:noFill/>
-        </p:spPr>
-        <p:txBody>
-          <a:bodyPr wrap="none" rtlCol="0">
-            <a:spAutoFit/>
-          </a:bodyPr>
-          <a:lstStyle/>
-          <a:p>
-            <a:r>
-              <a:rPr lang="en-US" dirty="0" err="1" smtClean="0"/>
-              <a:t>Eref</a:t>
-            </a:r>
-            <a:r>
-              <a:rPr lang="en-US" dirty="0" smtClean="0"/>
-              <a:t> = -763.3</a:t>
-            </a:r>
-            <a:endParaRPr lang="en-US" dirty="0"/>
-          </a:p>
-        </p:txBody>
-      </p:sp>
-      <p:sp>
-        <p:nvSpPr>
-          <p:cNvPr id="26" name="TextBox 25"/>
-          <p:cNvSpPr txBox="1"/>
-          <p:nvPr/>
-        </p:nvSpPr>
-        <p:spPr>
-          <a:xfrm>
-            <a:off x="6116875" y="4913482"/>
-            <a:ext cx="6075125" cy="1754326"/>
-          </a:xfrm>
-          <a:prstGeom prst="rect">
-            <a:avLst/>
-          </a:prstGeom>
-          <a:noFill/>
-        </p:spPr>
-        <p:txBody>
-          <a:bodyPr wrap="none" rtlCol="0">
-            <a:spAutoFit/>
-          </a:bodyPr>
-          <a:lstStyle/>
-          <a:p>
-            <a:r>
-              <a:rPr lang="en-US" dirty="0" smtClean="0"/>
-              <a:t>These examples show the best structures from 5 runs.</a:t>
-            </a:r>
-            <a:br>
-              <a:rPr lang="en-US" dirty="0" smtClean="0"/>
-            </a:br>
-            <a:r>
-              <a:rPr lang="en-US" dirty="0" smtClean="0"/>
-              <a:t>There might be a correlation between the energy and the</a:t>
-            </a:r>
-            <a:br>
-              <a:rPr lang="en-US" dirty="0" smtClean="0"/>
-            </a:br>
-            <a:r>
-              <a:rPr lang="en-US" dirty="0" smtClean="0"/>
-              <a:t>change</a:t>
-            </a:r>
-            <a:r>
-              <a:rPr lang="en-US" dirty="0"/>
-              <a:t> </a:t>
-            </a:r>
-            <a:r>
-              <a:rPr lang="en-US" dirty="0" smtClean="0"/>
-              <a:t>in the position of the movable slab atoms. (these</a:t>
-            </a:r>
-          </a:p>
-          <a:p>
-            <a:r>
-              <a:rPr lang="en-US" dirty="0"/>
-              <a:t>d</a:t>
-            </a:r>
-            <a:r>
-              <a:rPr lang="en-US" dirty="0" smtClean="0"/>
-              <a:t>oes not take place in mutations, but only in model-relaxation)</a:t>
-            </a:r>
-          </a:p>
-          <a:p>
-            <a:endParaRPr lang="en-US" dirty="0"/>
-          </a:p>
-          <a:p>
-            <a:r>
-              <a:rPr lang="en-US" dirty="0" smtClean="0"/>
-              <a:t>=&gt; Maybe they should therefor also take part in mutations.</a:t>
-            </a:r>
           </a:p>
         </p:txBody>
       </p:sp>
     </p:spTree>
     <p:extLst>
       <p:ext uri="{BB962C8B-B14F-4D97-AF65-F5344CB8AC3E}">
-        <p14:creationId xmlns:p14="http://schemas.microsoft.com/office/powerpoint/2010/main" val="1991925753"/>
+        <p14:creationId xmlns:p14="http://schemas.microsoft.com/office/powerpoint/2010/main" val="1005189458"/>
       </p:ext>
     </p:extLst>
   </p:cSld>
@@ -4898,50 +4502,88 @@
           <a:p>
             <a:r>
               <a:rPr lang="en-US" dirty="0" smtClean="0"/>
-              <a:t>Currently</a:t>
+              <a:t>Double step </a:t>
+            </a:r>
+            <a:r>
+              <a:rPr lang="mr-IN" dirty="0" smtClean="0"/>
+              <a:t>–</a:t>
+            </a:r>
+            <a:r>
+              <a:rPr lang="en-US" dirty="0" smtClean="0"/>
+              <a:t> 2 best as </a:t>
+            </a:r>
+            <a:r>
+              <a:rPr lang="en-US" dirty="0" err="1" smtClean="0"/>
+              <a:t>refference</a:t>
             </a:r>
             <a:endParaRPr lang="en-US" dirty="0"/>
           </a:p>
         </p:txBody>
       </p:sp>
-      <p:sp>
-        <p:nvSpPr>
-          <p:cNvPr id="3" name="Content Placeholder 2"/>
-          <p:cNvSpPr>
-            <a:spLocks noGrp="1"/>
-          </p:cNvSpPr>
-          <p:nvPr>
-            <p:ph idx="1"/>
-          </p:nvPr>
-        </p:nvSpPr>
-        <p:spPr/>
-        <p:txBody>
-          <a:bodyPr/>
-          <a:lstStyle/>
-          <a:p>
-            <a:r>
-              <a:rPr lang="en-US" dirty="0" err="1" smtClean="0"/>
-              <a:t>TiO</a:t>
-            </a:r>
-            <a:r>
-              <a:rPr lang="en-US" dirty="0" smtClean="0"/>
-              <a:t> (DFTB): Running with new rattle</a:t>
-            </a:r>
-            <a:endParaRPr lang="en-US" dirty="0" smtClean="0"/>
-          </a:p>
-          <a:p>
-            <a:r>
-              <a:rPr lang="en-US" dirty="0" smtClean="0"/>
-              <a:t>Step: running with new calculator.</a:t>
-            </a:r>
-            <a:endParaRPr lang="en-US" dirty="0"/>
-          </a:p>
-        </p:txBody>
-      </p:sp>
+      <p:pic>
+        <p:nvPicPr>
+          <p:cNvPr id="6" name="Picture 5"/>
+          <p:cNvPicPr>
+            <a:picLocks noChangeAspect="1"/>
+          </p:cNvPicPr>
+          <p:nvPr/>
+        </p:nvPicPr>
+        <p:blipFill>
+          <a:blip r:embed="rId2">
+            <a:extLst>
+              <a:ext uri="{28A0092B-C50C-407E-A947-70E740481C1C}">
+                <a14:useLocalDpi xmlns:a14="http://schemas.microsoft.com/office/drawing/2010/main" val="0"/>
+              </a:ext>
+            </a:extLst>
+          </a:blip>
+          <a:stretch>
+            <a:fillRect/>
+          </a:stretch>
+        </p:blipFill>
+        <p:spPr>
+          <a:xfrm>
+            <a:off x="281449" y="1733346"/>
+            <a:ext cx="5854700" cy="4394200"/>
+          </a:xfrm>
+          <a:prstGeom prst="rect">
+            <a:avLst/>
+          </a:prstGeom>
+        </p:spPr>
+      </p:pic>
+      <p:pic>
+        <p:nvPicPr>
+          <p:cNvPr id="7" name="Picture 6"/>
+          <p:cNvPicPr>
+            <a:picLocks noChangeAspect="1"/>
+          </p:cNvPicPr>
+          <p:nvPr/>
+        </p:nvPicPr>
+        <p:blipFill>
+          <a:blip r:embed="rId3">
+            <a:extLst>
+              <a:ext uri="{28A0092B-C50C-407E-A947-70E740481C1C}">
+                <a14:useLocalDpi xmlns:a14="http://schemas.microsoft.com/office/drawing/2010/main" val="0"/>
+              </a:ext>
+            </a:extLst>
+          </a:blip>
+          <a:stretch>
+            <a:fillRect/>
+          </a:stretch>
+        </p:blipFill>
+        <p:spPr>
+          <a:xfrm>
+            <a:off x="6136149" y="1733346"/>
+            <a:ext cx="5854700" cy="4394200"/>
+          </a:xfrm>
+          <a:prstGeom prst="rect">
+            <a:avLst/>
+          </a:prstGeom>
+        </p:spPr>
+      </p:pic>
     </p:spTree>
     <p:extLst>
       <p:ext uri="{BB962C8B-B14F-4D97-AF65-F5344CB8AC3E}">
-        <p14:creationId xmlns:p14="http://schemas.microsoft.com/office/powerpoint/2010/main" val="331033854"/>
+        <p14:creationId xmlns:p14="http://schemas.microsoft.com/office/powerpoint/2010/main" val="1711801097"/>
       </p:ext>
     </p:extLst>
   </p:cSld>
@@ -4985,49 +4627,176 @@
           <a:p>
             <a:r>
               <a:rPr lang="en-US" dirty="0" smtClean="0"/>
-              <a:t>To-do</a:t>
+              <a:t>Double step </a:t>
+            </a:r>
+            <a:r>
+              <a:rPr lang="mr-IN" dirty="0" smtClean="0"/>
+              <a:t>–</a:t>
+            </a:r>
+            <a:r>
+              <a:rPr lang="en-US" dirty="0" smtClean="0"/>
+              <a:t> bias influence </a:t>
             </a:r>
             <a:endParaRPr lang="en-US" dirty="0"/>
           </a:p>
         </p:txBody>
       </p:sp>
-      <p:sp>
-        <p:nvSpPr>
-          <p:cNvPr id="3" name="Content Placeholder 2"/>
-          <p:cNvSpPr>
-            <a:spLocks noGrp="1"/>
-          </p:cNvSpPr>
-          <p:nvPr>
-            <p:ph idx="1"/>
-          </p:nvPr>
-        </p:nvSpPr>
-        <p:spPr/>
-        <p:txBody>
-          <a:bodyPr/>
-          <a:lstStyle/>
-          <a:p>
+      <p:pic>
+        <p:nvPicPr>
+          <p:cNvPr id="6" name="Picture 5"/>
+          <p:cNvPicPr>
+            <a:picLocks noChangeAspect="1"/>
+          </p:cNvPicPr>
+          <p:nvPr/>
+        </p:nvPicPr>
+        <p:blipFill>
+          <a:blip r:embed="rId2">
+            <a:extLst>
+              <a:ext uri="{28A0092B-C50C-407E-A947-70E740481C1C}">
+                <a14:useLocalDpi xmlns:a14="http://schemas.microsoft.com/office/drawing/2010/main" val="0"/>
+              </a:ext>
+            </a:extLst>
+          </a:blip>
+          <a:stretch>
+            <a:fillRect/>
+          </a:stretch>
+        </p:blipFill>
+        <p:spPr>
+          <a:xfrm>
+            <a:off x="281449" y="1733346"/>
+            <a:ext cx="5854700" cy="4394200"/>
+          </a:xfrm>
+          <a:prstGeom prst="rect">
+            <a:avLst/>
+          </a:prstGeom>
+        </p:spPr>
+      </p:pic>
+      <p:pic>
+        <p:nvPicPr>
+          <p:cNvPr id="7" name="Picture 6"/>
+          <p:cNvPicPr>
+            <a:picLocks noChangeAspect="1"/>
+          </p:cNvPicPr>
+          <p:nvPr/>
+        </p:nvPicPr>
+        <p:blipFill>
+          <a:blip r:embed="rId3">
+            <a:extLst>
+              <a:ext uri="{28A0092B-C50C-407E-A947-70E740481C1C}">
+                <a14:useLocalDpi xmlns:a14="http://schemas.microsoft.com/office/drawing/2010/main" val="0"/>
+              </a:ext>
+            </a:extLst>
+          </a:blip>
+          <a:stretch>
+            <a:fillRect/>
+          </a:stretch>
+        </p:blipFill>
+        <p:spPr>
+          <a:xfrm>
+            <a:off x="6136149" y="1733346"/>
+            <a:ext cx="5854700" cy="4394200"/>
+          </a:xfrm>
+          <a:prstGeom prst="rect">
+            <a:avLst/>
+          </a:prstGeom>
+        </p:spPr>
+      </p:pic>
+      <p:sp>
+        <p:nvSpPr>
+          <p:cNvPr id="9" name="TextBox 8"/>
+          <p:cNvSpPr txBox="1"/>
+          <p:nvPr/>
+        </p:nvSpPr>
+        <p:spPr>
+          <a:xfrm>
+            <a:off x="2379407" y="1733346"/>
+            <a:ext cx="2004908" cy="369332"/>
+          </a:xfrm>
+          <a:prstGeom prst="rect">
+            <a:avLst/>
+          </a:prstGeom>
+          <a:noFill/>
+        </p:spPr>
+        <p:txBody>
+          <a:bodyPr wrap="none" rtlCol="0">
+            <a:spAutoFit/>
+          </a:bodyPr>
+          <a:lstStyle/>
+          <a:p>
+            <a:r>
+              <a:rPr lang="en-US" dirty="0" smtClean="0"/>
+              <a:t>Bias = mean(</a:t>
+            </a:r>
             <a:r>
               <a:rPr lang="en-US" dirty="0" err="1" smtClean="0"/>
-              <a:t>TiO</a:t>
-            </a:r>
-            <a:r>
-              <a:rPr lang="en-US" dirty="0" smtClean="0"/>
-              <a:t> (DFTB): Run with setting that improve the diversity of the</a:t>
-            </a:r>
-            <a:br>
-              <a:rPr lang="en-US" dirty="0" smtClean="0"/>
-            </a:br>
-            <a:r>
-              <a:rPr lang="en-US" dirty="0" smtClean="0"/>
-              <a:t>population.</a:t>
-            </a:r>
+              <a:t>Etrain</a:t>
+            </a:r>
+            <a:r>
+              <a:rPr lang="en-US" dirty="0" smtClean="0"/>
+              <a:t>)</a:t>
+            </a:r>
+            <a:endParaRPr lang="en-US" dirty="0"/>
+          </a:p>
+        </p:txBody>
+      </p:sp>
+      <p:sp>
+        <p:nvSpPr>
+          <p:cNvPr id="12" name="TextBox 11"/>
+          <p:cNvSpPr txBox="1"/>
+          <p:nvPr/>
+        </p:nvSpPr>
+        <p:spPr>
+          <a:xfrm>
+            <a:off x="7396370" y="1733346"/>
+            <a:ext cx="3198055" cy="369332"/>
+          </a:xfrm>
+          <a:prstGeom prst="rect">
+            <a:avLst/>
+          </a:prstGeom>
+          <a:noFill/>
+        </p:spPr>
+        <p:txBody>
+          <a:bodyPr wrap="none" rtlCol="0">
+            <a:spAutoFit/>
+          </a:bodyPr>
+          <a:lstStyle/>
+          <a:p>
+            <a:r>
+              <a:rPr lang="en-US" dirty="0" smtClean="0"/>
+              <a:t>Bias = mean(</a:t>
+            </a:r>
+            <a:r>
+              <a:rPr lang="en-US" dirty="0" err="1" smtClean="0"/>
+              <a:t>Etrain</a:t>
+            </a:r>
+            <a:r>
+              <a:rPr lang="en-US" dirty="0" smtClean="0"/>
+              <a:t>) + </a:t>
+            </a:r>
+            <a:r>
+              <a:rPr lang="en-US" dirty="0" err="1" smtClean="0"/>
+              <a:t>std</a:t>
+            </a:r>
+            <a:r>
+              <a:rPr lang="en-US" dirty="0" smtClean="0"/>
+              <a:t>(</a:t>
+            </a:r>
+            <a:r>
+              <a:rPr lang="en-US" dirty="0" err="1" smtClean="0"/>
+              <a:t>Etrain</a:t>
+            </a:r>
+            <a:r>
+              <a:rPr lang="en-US" dirty="0" smtClean="0"/>
+              <a:t>)</a:t>
+            </a:r>
+            <a:endParaRPr lang="en-US" dirty="0"/>
           </a:p>
         </p:txBody>
       </p:sp>
     </p:spTree>
     <p:extLst>
       <p:ext uri="{BB962C8B-B14F-4D97-AF65-F5344CB8AC3E}">
-        <p14:creationId xmlns:p14="http://schemas.microsoft.com/office/powerpoint/2010/main" val="1484850427"/>
+        <p14:creationId xmlns:p14="http://schemas.microsoft.com/office/powerpoint/2010/main" val="1988573579"/>
       </p:ext>
     </p:extLst>
   </p:cSld>
@@ -5071,51 +4840,660 @@
           <a:p>
             <a:r>
               <a:rPr lang="en-US" dirty="0" smtClean="0"/>
-              <a:t>Notes</a:t>
+              <a:t>Double step</a:t>
             </a:r>
             <a:endParaRPr lang="en-US" dirty="0"/>
           </a:p>
         </p:txBody>
       </p:sp>
-      <p:sp>
-        <p:nvSpPr>
-          <p:cNvPr id="3" name="Content Placeholder 2"/>
-          <p:cNvSpPr>
-            <a:spLocks noGrp="1"/>
-          </p:cNvSpPr>
-          <p:nvPr>
-            <p:ph idx="1"/>
-          </p:nvPr>
-        </p:nvSpPr>
-        <p:spPr/>
-        <p:txBody>
-          <a:bodyPr/>
+      <p:pic>
+        <p:nvPicPr>
+          <p:cNvPr id="4" name="Picture 3"/>
+          <p:cNvPicPr>
+            <a:picLocks noChangeAspect="1"/>
+          </p:cNvPicPr>
+          <p:nvPr/>
+        </p:nvPicPr>
+        <p:blipFill>
+          <a:blip r:embed="rId2">
+            <a:extLst>
+              <a:ext uri="{28A0092B-C50C-407E-A947-70E740481C1C}">
+                <a14:useLocalDpi xmlns:a14="http://schemas.microsoft.com/office/drawing/2010/main" val="0"/>
+              </a:ext>
+            </a:extLst>
+          </a:blip>
+          <a:stretch>
+            <a:fillRect/>
+          </a:stretch>
+        </p:blipFill>
+        <p:spPr>
+          <a:xfrm>
+            <a:off x="265064" y="1690688"/>
+            <a:ext cx="2932198" cy="1963584"/>
+          </a:xfrm>
+          <a:prstGeom prst="rect">
+            <a:avLst/>
+          </a:prstGeom>
+        </p:spPr>
+      </p:pic>
+      <p:pic>
+        <p:nvPicPr>
+          <p:cNvPr id="6" name="Picture 5"/>
+          <p:cNvPicPr>
+            <a:picLocks noChangeAspect="1"/>
+          </p:cNvPicPr>
+          <p:nvPr/>
+        </p:nvPicPr>
+        <p:blipFill>
+          <a:blip r:embed="rId3">
+            <a:extLst>
+              <a:ext uri="{28A0092B-C50C-407E-A947-70E740481C1C}">
+                <a14:useLocalDpi xmlns:a14="http://schemas.microsoft.com/office/drawing/2010/main" val="0"/>
+              </a:ext>
+            </a:extLst>
+          </a:blip>
+          <a:stretch>
+            <a:fillRect/>
+          </a:stretch>
+        </p:blipFill>
+        <p:spPr>
+          <a:xfrm>
+            <a:off x="3986707" y="972930"/>
+            <a:ext cx="2584423" cy="1707461"/>
+          </a:xfrm>
+          <a:prstGeom prst="rect">
+            <a:avLst/>
+          </a:prstGeom>
+        </p:spPr>
+      </p:pic>
+      <p:pic>
+        <p:nvPicPr>
+          <p:cNvPr id="7" name="Picture 6"/>
+          <p:cNvPicPr>
+            <a:picLocks noChangeAspect="1"/>
+          </p:cNvPicPr>
+          <p:nvPr/>
+        </p:nvPicPr>
+        <p:blipFill>
+          <a:blip r:embed="rId4">
+            <a:extLst>
+              <a:ext uri="{28A0092B-C50C-407E-A947-70E740481C1C}">
+                <a14:useLocalDpi xmlns:a14="http://schemas.microsoft.com/office/drawing/2010/main" val="0"/>
+              </a:ext>
+            </a:extLst>
+          </a:blip>
+          <a:stretch>
+            <a:fillRect/>
+          </a:stretch>
+        </p:blipFill>
+        <p:spPr>
+          <a:xfrm>
+            <a:off x="6567361" y="3031209"/>
+            <a:ext cx="2623312" cy="1829260"/>
+          </a:xfrm>
+          <a:prstGeom prst="rect">
+            <a:avLst/>
+          </a:prstGeom>
+        </p:spPr>
+      </p:pic>
+      <p:pic>
+        <p:nvPicPr>
+          <p:cNvPr id="9" name="Picture 8"/>
+          <p:cNvPicPr>
+            <a:picLocks noChangeAspect="1"/>
+          </p:cNvPicPr>
+          <p:nvPr/>
+        </p:nvPicPr>
+        <p:blipFill>
+          <a:blip r:embed="rId5">
+            <a:extLst>
+              <a:ext uri="{28A0092B-C50C-407E-A947-70E740481C1C}">
+                <a14:useLocalDpi xmlns:a14="http://schemas.microsoft.com/office/drawing/2010/main" val="0"/>
+              </a:ext>
+            </a:extLst>
+          </a:blip>
+          <a:stretch>
+            <a:fillRect/>
+          </a:stretch>
+        </p:blipFill>
+        <p:spPr>
+          <a:xfrm>
+            <a:off x="9338333" y="966688"/>
+            <a:ext cx="2722456" cy="1835502"/>
+          </a:xfrm>
+          <a:prstGeom prst="rect">
+            <a:avLst/>
+          </a:prstGeom>
+        </p:spPr>
+      </p:pic>
+      <p:pic>
+        <p:nvPicPr>
+          <p:cNvPr id="12" name="Picture 11"/>
+          <p:cNvPicPr>
+            <a:picLocks noChangeAspect="1"/>
+          </p:cNvPicPr>
+          <p:nvPr/>
+        </p:nvPicPr>
+        <p:blipFill>
+          <a:blip r:embed="rId6">
+            <a:extLst>
+              <a:ext uri="{28A0092B-C50C-407E-A947-70E740481C1C}">
+                <a14:useLocalDpi xmlns:a14="http://schemas.microsoft.com/office/drawing/2010/main" val="0"/>
+              </a:ext>
+            </a:extLst>
+          </a:blip>
+          <a:stretch>
+            <a:fillRect/>
+          </a:stretch>
+        </p:blipFill>
+        <p:spPr>
+          <a:xfrm>
+            <a:off x="6567361" y="968685"/>
+            <a:ext cx="2527300" cy="1688644"/>
+          </a:xfrm>
+          <a:prstGeom prst="rect">
+            <a:avLst/>
+          </a:prstGeom>
+        </p:spPr>
+      </p:pic>
+      <p:pic>
+        <p:nvPicPr>
+          <p:cNvPr id="13" name="Picture 12"/>
+          <p:cNvPicPr>
+            <a:picLocks noChangeAspect="1"/>
+          </p:cNvPicPr>
+          <p:nvPr/>
+        </p:nvPicPr>
+        <p:blipFill>
+          <a:blip r:embed="rId7">
+            <a:extLst>
+              <a:ext uri="{28A0092B-C50C-407E-A947-70E740481C1C}">
+                <a14:useLocalDpi xmlns:a14="http://schemas.microsoft.com/office/drawing/2010/main" val="0"/>
+              </a:ext>
+            </a:extLst>
+          </a:blip>
+          <a:stretch>
+            <a:fillRect/>
+          </a:stretch>
+        </p:blipFill>
+        <p:spPr>
+          <a:xfrm>
+            <a:off x="9435690" y="3032888"/>
+            <a:ext cx="2569497" cy="1718746"/>
+          </a:xfrm>
+          <a:prstGeom prst="rect">
+            <a:avLst/>
+          </a:prstGeom>
+        </p:spPr>
+      </p:pic>
+      <p:sp>
+        <p:nvSpPr>
+          <p:cNvPr id="14" name="TextBox 13"/>
+          <p:cNvSpPr txBox="1"/>
+          <p:nvPr/>
+        </p:nvSpPr>
+        <p:spPr>
+          <a:xfrm>
+            <a:off x="1384950" y="1858297"/>
+            <a:ext cx="575799" cy="369332"/>
+          </a:xfrm>
+          <a:prstGeom prst="rect">
+            <a:avLst/>
+          </a:prstGeom>
+          <a:noFill/>
+        </p:spPr>
+        <p:txBody>
+          <a:bodyPr wrap="none" rtlCol="0">
+            <a:spAutoFit/>
+          </a:bodyPr>
+          <a:lstStyle/>
+          <a:p>
+            <a:r>
+              <a:rPr lang="en-US" smtClean="0"/>
+              <a:t>Slab</a:t>
+            </a:r>
+            <a:endParaRPr lang="en-US"/>
+          </a:p>
+        </p:txBody>
+      </p:sp>
+      <p:sp>
+        <p:nvSpPr>
+          <p:cNvPr id="16" name="TextBox 15"/>
+          <p:cNvSpPr txBox="1"/>
+          <p:nvPr/>
+        </p:nvSpPr>
+        <p:spPr>
+          <a:xfrm>
+            <a:off x="4719483" y="776745"/>
+            <a:ext cx="301686" cy="369332"/>
+          </a:xfrm>
+          <a:prstGeom prst="rect">
+            <a:avLst/>
+          </a:prstGeom>
+          <a:noFill/>
+        </p:spPr>
+        <p:txBody>
+          <a:bodyPr wrap="none" rtlCol="0">
+            <a:spAutoFit/>
+          </a:bodyPr>
+          <a:lstStyle/>
+          <a:p>
+            <a:r>
+              <a:rPr lang="en-US" dirty="0" smtClean="0"/>
+              <a:t>1</a:t>
+            </a:r>
+            <a:endParaRPr lang="en-US" dirty="0"/>
+          </a:p>
+        </p:txBody>
+      </p:sp>
+      <p:sp>
+        <p:nvSpPr>
+          <p:cNvPr id="17" name="TextBox 16"/>
+          <p:cNvSpPr txBox="1"/>
+          <p:nvPr/>
+        </p:nvSpPr>
+        <p:spPr>
+          <a:xfrm>
+            <a:off x="7492180" y="825907"/>
+            <a:ext cx="301686" cy="369332"/>
+          </a:xfrm>
+          <a:prstGeom prst="rect">
+            <a:avLst/>
+          </a:prstGeom>
+          <a:noFill/>
+        </p:spPr>
+        <p:txBody>
+          <a:bodyPr wrap="none" rtlCol="0">
+            <a:spAutoFit/>
+          </a:bodyPr>
+          <a:lstStyle/>
+          <a:p>
+            <a:r>
+              <a:rPr lang="en-US" dirty="0" smtClean="0"/>
+              <a:t>2</a:t>
+            </a:r>
+            <a:endParaRPr lang="en-US" dirty="0"/>
+          </a:p>
+        </p:txBody>
+      </p:sp>
+      <p:sp>
+        <p:nvSpPr>
+          <p:cNvPr id="18" name="TextBox 17"/>
+          <p:cNvSpPr txBox="1"/>
+          <p:nvPr/>
+        </p:nvSpPr>
+        <p:spPr>
+          <a:xfrm>
+            <a:off x="10068232" y="825907"/>
+            <a:ext cx="301686" cy="369332"/>
+          </a:xfrm>
+          <a:prstGeom prst="rect">
+            <a:avLst/>
+          </a:prstGeom>
+          <a:noFill/>
+        </p:spPr>
+        <p:txBody>
+          <a:bodyPr wrap="none" rtlCol="0">
+            <a:spAutoFit/>
+          </a:bodyPr>
+          <a:lstStyle/>
+          <a:p>
+            <a:r>
+              <a:rPr lang="en-US" dirty="0" smtClean="0"/>
+              <a:t>3</a:t>
+            </a:r>
+            <a:endParaRPr lang="en-US" dirty="0"/>
+          </a:p>
+        </p:txBody>
+      </p:sp>
+      <p:sp>
+        <p:nvSpPr>
+          <p:cNvPr id="19" name="TextBox 18"/>
+          <p:cNvSpPr txBox="1"/>
+          <p:nvPr/>
+        </p:nvSpPr>
+        <p:spPr>
+          <a:xfrm>
+            <a:off x="7157884" y="2871019"/>
+            <a:ext cx="301686" cy="369332"/>
+          </a:xfrm>
+          <a:prstGeom prst="rect">
+            <a:avLst/>
+          </a:prstGeom>
+          <a:noFill/>
+        </p:spPr>
+        <p:txBody>
+          <a:bodyPr wrap="none" rtlCol="0">
+            <a:spAutoFit/>
+          </a:bodyPr>
+          <a:lstStyle/>
+          <a:p>
+            <a:r>
+              <a:rPr lang="en-US" dirty="0" smtClean="0"/>
+              <a:t>4</a:t>
+            </a:r>
+            <a:endParaRPr lang="en-US" dirty="0"/>
+          </a:p>
+        </p:txBody>
+      </p:sp>
+      <p:sp>
+        <p:nvSpPr>
+          <p:cNvPr id="20" name="TextBox 19"/>
+          <p:cNvSpPr txBox="1"/>
+          <p:nvPr/>
+        </p:nvSpPr>
+        <p:spPr>
+          <a:xfrm>
+            <a:off x="10019071" y="2861187"/>
+            <a:ext cx="301686" cy="369332"/>
+          </a:xfrm>
+          <a:prstGeom prst="rect">
+            <a:avLst/>
+          </a:prstGeom>
+          <a:noFill/>
+        </p:spPr>
+        <p:txBody>
+          <a:bodyPr wrap="none" rtlCol="0">
+            <a:spAutoFit/>
+          </a:bodyPr>
+          <a:lstStyle/>
+          <a:p>
+            <a:r>
+              <a:rPr lang="en-US" dirty="0" smtClean="0"/>
+              <a:t>5</a:t>
+            </a:r>
+            <a:endParaRPr lang="en-US" dirty="0"/>
+          </a:p>
+        </p:txBody>
+      </p:sp>
+      <p:pic>
+        <p:nvPicPr>
+          <p:cNvPr id="21" name="Picture 20"/>
+          <p:cNvPicPr>
+            <a:picLocks noChangeAspect="1"/>
+          </p:cNvPicPr>
+          <p:nvPr/>
+        </p:nvPicPr>
+        <p:blipFill>
+          <a:blip r:embed="rId8">
+            <a:extLst>
+              <a:ext uri="{28A0092B-C50C-407E-A947-70E740481C1C}">
+                <a14:useLocalDpi xmlns:a14="http://schemas.microsoft.com/office/drawing/2010/main" val="0"/>
+              </a:ext>
+            </a:extLst>
+          </a:blip>
+          <a:stretch>
+            <a:fillRect/>
+          </a:stretch>
+        </p:blipFill>
+        <p:spPr>
+          <a:xfrm>
+            <a:off x="730065" y="3891011"/>
+            <a:ext cx="3773109" cy="2627202"/>
+          </a:xfrm>
+          <a:prstGeom prst="rect">
+            <a:avLst/>
+          </a:prstGeom>
+        </p:spPr>
+      </p:pic>
+      <p:cxnSp>
+        <p:nvCxnSpPr>
+          <p:cNvPr id="23" name="Straight Arrow Connector 22"/>
+          <p:cNvCxnSpPr/>
+          <p:nvPr/>
+        </p:nvCxnSpPr>
+        <p:spPr>
+          <a:xfrm flipH="1">
+            <a:off x="4326193" y="5850194"/>
+            <a:ext cx="393290" cy="294967"/>
+          </a:xfrm>
+          <a:prstGeom prst="straightConnector1">
+            <a:avLst/>
+          </a:prstGeom>
+          <a:ln>
+            <a:tailEnd type="triangle"/>
+          </a:ln>
+        </p:spPr>
+        <p:style>
+          <a:lnRef idx="3">
+            <a:schemeClr val="dk1"/>
+          </a:lnRef>
+          <a:fillRef idx="0">
+            <a:schemeClr val="dk1"/>
+          </a:fillRef>
+          <a:effectRef idx="2">
+            <a:schemeClr val="dk1"/>
+          </a:effectRef>
+          <a:fontRef idx="minor">
+            <a:schemeClr val="tx1"/>
+          </a:fontRef>
+        </p:style>
+      </p:cxnSp>
+      <p:sp>
+        <p:nvSpPr>
+          <p:cNvPr id="24" name="TextBox 23"/>
+          <p:cNvSpPr txBox="1"/>
+          <p:nvPr/>
+        </p:nvSpPr>
+        <p:spPr>
+          <a:xfrm>
+            <a:off x="4575607" y="5518045"/>
+            <a:ext cx="1114408" cy="369332"/>
+          </a:xfrm>
+          <a:prstGeom prst="rect">
+            <a:avLst/>
+          </a:prstGeom>
+          <a:noFill/>
+        </p:spPr>
+        <p:txBody>
+          <a:bodyPr wrap="none" rtlCol="0">
+            <a:spAutoFit/>
+          </a:bodyPr>
+          <a:lstStyle/>
+          <a:p>
+            <a:r>
+              <a:rPr lang="en-US" dirty="0" smtClean="0"/>
+              <a:t>E = -763.7</a:t>
+            </a:r>
+            <a:endParaRPr lang="en-US" dirty="0"/>
+          </a:p>
+        </p:txBody>
+      </p:sp>
+      <p:sp>
+        <p:nvSpPr>
+          <p:cNvPr id="25" name="TextBox 24"/>
+          <p:cNvSpPr txBox="1"/>
+          <p:nvPr/>
+        </p:nvSpPr>
+        <p:spPr>
+          <a:xfrm>
+            <a:off x="4591101" y="6166971"/>
+            <a:ext cx="1375633" cy="369332"/>
+          </a:xfrm>
+          <a:prstGeom prst="rect">
+            <a:avLst/>
+          </a:prstGeom>
+          <a:noFill/>
+        </p:spPr>
+        <p:txBody>
+          <a:bodyPr wrap="none" rtlCol="0">
+            <a:spAutoFit/>
+          </a:bodyPr>
           <a:lstStyle/>
           <a:p>
             <a:r>
               <a:rPr lang="en-US" dirty="0" err="1" smtClean="0"/>
-              <a:t>TiO</a:t>
-            </a:r>
-            <a:r>
-              <a:rPr lang="en-US" dirty="0" smtClean="0"/>
-              <a:t> (DFTB): search fails when </a:t>
-            </a:r>
-            <a:r>
-              <a:rPr lang="en-US" dirty="0" err="1" smtClean="0"/>
-              <a:t>reg</a:t>
-            </a:r>
-            <a:r>
-              <a:rPr lang="en-US" dirty="0" smtClean="0"/>
-              <a:t> is lowered from 10^-5 to 10^-7</a:t>
+              <a:t>Eref</a:t>
+            </a:r>
+            <a:r>
+              <a:rPr lang="en-US" dirty="0" smtClean="0"/>
+              <a:t> = -763.3</a:t>
             </a:r>
             <a:endParaRPr lang="en-US" dirty="0"/>
+          </a:p>
+        </p:txBody>
+      </p:sp>
+      <p:sp>
+        <p:nvSpPr>
+          <p:cNvPr id="26" name="TextBox 25"/>
+          <p:cNvSpPr txBox="1"/>
+          <p:nvPr/>
+        </p:nvSpPr>
+        <p:spPr>
+          <a:xfrm>
+            <a:off x="6116875" y="4913482"/>
+            <a:ext cx="6075125" cy="1754326"/>
+          </a:xfrm>
+          <a:prstGeom prst="rect">
+            <a:avLst/>
+          </a:prstGeom>
+          <a:noFill/>
+        </p:spPr>
+        <p:txBody>
+          <a:bodyPr wrap="none" rtlCol="0">
+            <a:spAutoFit/>
+          </a:bodyPr>
+          <a:lstStyle/>
+          <a:p>
+            <a:r>
+              <a:rPr lang="en-US" dirty="0" smtClean="0"/>
+              <a:t>These examples show the best structures from 5 runs.</a:t>
+            </a:r>
+            <a:br>
+              <a:rPr lang="en-US" dirty="0" smtClean="0"/>
+            </a:br>
+            <a:r>
+              <a:rPr lang="en-US" dirty="0" smtClean="0"/>
+              <a:t>There might be a correlation between the energy and the</a:t>
+            </a:r>
+            <a:br>
+              <a:rPr lang="en-US" dirty="0" smtClean="0"/>
+            </a:br>
+            <a:r>
+              <a:rPr lang="en-US" dirty="0" smtClean="0"/>
+              <a:t>change</a:t>
+            </a:r>
+            <a:r>
+              <a:rPr lang="en-US" dirty="0"/>
+              <a:t> </a:t>
+            </a:r>
+            <a:r>
+              <a:rPr lang="en-US" dirty="0" smtClean="0"/>
+              <a:t>in the position of the movable slab atoms. (these</a:t>
+            </a:r>
+          </a:p>
+          <a:p>
+            <a:r>
+              <a:rPr lang="en-US" dirty="0"/>
+              <a:t>d</a:t>
+            </a:r>
+            <a:r>
+              <a:rPr lang="en-US" dirty="0" smtClean="0"/>
+              <a:t>oes not take place in mutations, but only in model-relaxation)</a:t>
+            </a:r>
+          </a:p>
+          <a:p>
+            <a:endParaRPr lang="en-US" dirty="0"/>
+          </a:p>
+          <a:p>
+            <a:r>
+              <a:rPr lang="en-US" dirty="0" smtClean="0"/>
+              <a:t>=&gt; Maybe they should therefor also take part in mutations.</a:t>
+            </a:r>
           </a:p>
         </p:txBody>
       </p:sp>
     </p:spTree>
     <p:extLst>
       <p:ext uri="{BB962C8B-B14F-4D97-AF65-F5344CB8AC3E}">
-        <p14:creationId xmlns:p14="http://schemas.microsoft.com/office/powerpoint/2010/main" val="468430976"/>
+        <p14:creationId xmlns:p14="http://schemas.microsoft.com/office/powerpoint/2010/main" val="1991925753"/>
+      </p:ext>
+    </p:extLst>
+  </p:cSld>
+  <p:clrMapOvr>
+    <a:masterClrMapping/>
+  </p:clrMapOvr>
+</p:sld>
+</file>
+
+<file path=ppt/slides/slide19.xml><?xml version="1.0" encoding="utf-8"?>
+<p:sld xmlns:a="http://schemas.openxmlformats.org/drawingml/2006/main" xmlns:r="http://schemas.openxmlformats.org/officeDocument/2006/relationships" xmlns:p="http://schemas.openxmlformats.org/presentationml/2006/main">
+  <p:cSld>
+    <p:spTree>
+      <p:nvGrpSpPr>
+        <p:cNvPr id="1" name=""/>
+        <p:cNvGrpSpPr/>
+        <p:nvPr/>
+      </p:nvGrpSpPr>
+      <p:grpSpPr>
+        <a:xfrm>
+          <a:off x="0" y="0"/>
+          <a:ext cx="0" cy="0"/>
+          <a:chOff x="0" y="0"/>
+          <a:chExt cx="0" cy="0"/>
+        </a:xfrm>
+      </p:grpSpPr>
+      <p:sp>
+        <p:nvSpPr>
+          <p:cNvPr id="2" name="Title 1"/>
+          <p:cNvSpPr>
+            <a:spLocks noGrp="1"/>
+          </p:cNvSpPr>
+          <p:nvPr>
+            <p:ph type="title"/>
+          </p:nvPr>
+        </p:nvSpPr>
+        <p:spPr/>
+        <p:txBody>
+          <a:bodyPr/>
+          <a:lstStyle/>
+          <a:p>
+            <a:r>
+              <a:rPr lang="en-US" dirty="0" smtClean="0"/>
+              <a:t>Currently</a:t>
+            </a:r>
+            <a:endParaRPr lang="en-US" dirty="0"/>
+          </a:p>
+        </p:txBody>
+      </p:sp>
+      <p:sp>
+        <p:nvSpPr>
+          <p:cNvPr id="3" name="Content Placeholder 2"/>
+          <p:cNvSpPr>
+            <a:spLocks noGrp="1"/>
+          </p:cNvSpPr>
+          <p:nvPr>
+            <p:ph idx="1"/>
+          </p:nvPr>
+        </p:nvSpPr>
+        <p:spPr/>
+        <p:txBody>
+          <a:bodyPr/>
+          <a:lstStyle/>
+          <a:p>
+            <a:r>
+              <a:rPr lang="en-US" dirty="0" err="1" smtClean="0"/>
+              <a:t>TiO</a:t>
+            </a:r>
+            <a:r>
+              <a:rPr lang="en-US" dirty="0" smtClean="0"/>
+              <a:t> (DFTB): Running with new rattle</a:t>
+            </a:r>
+            <a:endParaRPr lang="en-US" dirty="0" smtClean="0"/>
+          </a:p>
+          <a:p>
+            <a:r>
+              <a:rPr lang="en-US" dirty="0" smtClean="0"/>
+              <a:t>Step: running with new calculator.</a:t>
+            </a:r>
+            <a:endParaRPr lang="en-US" dirty="0"/>
+          </a:p>
+        </p:txBody>
+      </p:sp>
+    </p:spTree>
+    <p:extLst>
+      <p:ext uri="{BB962C8B-B14F-4D97-AF65-F5344CB8AC3E}">
+        <p14:creationId xmlns:p14="http://schemas.microsoft.com/office/powerpoint/2010/main" val="331033854"/>
       </p:ext>
     </p:extLst>
   </p:cSld>
@@ -5266,6 +5644,180 @@
     <p:extLst>
       <p:ext uri="{BB962C8B-B14F-4D97-AF65-F5344CB8AC3E}">
         <p14:creationId xmlns:p14="http://schemas.microsoft.com/office/powerpoint/2010/main" val="440053043"/>
+      </p:ext>
+    </p:extLst>
+  </p:cSld>
+  <p:clrMapOvr>
+    <a:masterClrMapping/>
+  </p:clrMapOvr>
+</p:sld>
+</file>
+
+<file path=ppt/slides/slide20.xml><?xml version="1.0" encoding="utf-8"?>
+<p:sld xmlns:a="http://schemas.openxmlformats.org/drawingml/2006/main" xmlns:r="http://schemas.openxmlformats.org/officeDocument/2006/relationships" xmlns:p="http://schemas.openxmlformats.org/presentationml/2006/main">
+  <p:cSld>
+    <p:spTree>
+      <p:nvGrpSpPr>
+        <p:cNvPr id="1" name=""/>
+        <p:cNvGrpSpPr/>
+        <p:nvPr/>
+      </p:nvGrpSpPr>
+      <p:grpSpPr>
+        <a:xfrm>
+          <a:off x="0" y="0"/>
+          <a:ext cx="0" cy="0"/>
+          <a:chOff x="0" y="0"/>
+          <a:chExt cx="0" cy="0"/>
+        </a:xfrm>
+      </p:grpSpPr>
+      <p:sp>
+        <p:nvSpPr>
+          <p:cNvPr id="2" name="Title 1"/>
+          <p:cNvSpPr>
+            <a:spLocks noGrp="1"/>
+          </p:cNvSpPr>
+          <p:nvPr>
+            <p:ph type="title"/>
+          </p:nvPr>
+        </p:nvSpPr>
+        <p:spPr/>
+        <p:txBody>
+          <a:bodyPr/>
+          <a:lstStyle/>
+          <a:p>
+            <a:r>
+              <a:rPr lang="en-US" dirty="0" smtClean="0"/>
+              <a:t>To-do</a:t>
+            </a:r>
+            <a:endParaRPr lang="en-US" dirty="0"/>
+          </a:p>
+        </p:txBody>
+      </p:sp>
+      <p:sp>
+        <p:nvSpPr>
+          <p:cNvPr id="3" name="Content Placeholder 2"/>
+          <p:cNvSpPr>
+            <a:spLocks noGrp="1"/>
+          </p:cNvSpPr>
+          <p:nvPr>
+            <p:ph idx="1"/>
+          </p:nvPr>
+        </p:nvSpPr>
+        <p:spPr/>
+        <p:txBody>
+          <a:bodyPr/>
+          <a:lstStyle/>
+          <a:p>
+            <a:r>
+              <a:rPr lang="en-US" dirty="0" err="1" smtClean="0"/>
+              <a:t>TiO</a:t>
+            </a:r>
+            <a:r>
+              <a:rPr lang="en-US" dirty="0" smtClean="0"/>
+              <a:t> (DFTB): Run with setting that improve the diversity of the</a:t>
+            </a:r>
+            <a:br>
+              <a:rPr lang="en-US" dirty="0" smtClean="0"/>
+            </a:br>
+            <a:r>
+              <a:rPr lang="en-US" dirty="0" smtClean="0"/>
+              <a:t>population.</a:t>
+            </a:r>
+          </a:p>
+        </p:txBody>
+      </p:sp>
+    </p:spTree>
+    <p:extLst>
+      <p:ext uri="{BB962C8B-B14F-4D97-AF65-F5344CB8AC3E}">
+        <p14:creationId xmlns:p14="http://schemas.microsoft.com/office/powerpoint/2010/main" val="1484850427"/>
+      </p:ext>
+    </p:extLst>
+  </p:cSld>
+  <p:clrMapOvr>
+    <a:masterClrMapping/>
+  </p:clrMapOvr>
+</p:sld>
+</file>
+
+<file path=ppt/slides/slide21.xml><?xml version="1.0" encoding="utf-8"?>
+<p:sld xmlns:a="http://schemas.openxmlformats.org/drawingml/2006/main" xmlns:r="http://schemas.openxmlformats.org/officeDocument/2006/relationships" xmlns:p="http://schemas.openxmlformats.org/presentationml/2006/main">
+  <p:cSld>
+    <p:spTree>
+      <p:nvGrpSpPr>
+        <p:cNvPr id="1" name=""/>
+        <p:cNvGrpSpPr/>
+        <p:nvPr/>
+      </p:nvGrpSpPr>
+      <p:grpSpPr>
+        <a:xfrm>
+          <a:off x="0" y="0"/>
+          <a:ext cx="0" cy="0"/>
+          <a:chOff x="0" y="0"/>
+          <a:chExt cx="0" cy="0"/>
+        </a:xfrm>
+      </p:grpSpPr>
+      <p:sp>
+        <p:nvSpPr>
+          <p:cNvPr id="2" name="Title 1"/>
+          <p:cNvSpPr>
+            <a:spLocks noGrp="1"/>
+          </p:cNvSpPr>
+          <p:nvPr>
+            <p:ph type="title"/>
+          </p:nvPr>
+        </p:nvSpPr>
+        <p:spPr/>
+        <p:txBody>
+          <a:bodyPr/>
+          <a:lstStyle/>
+          <a:p>
+            <a:r>
+              <a:rPr lang="en-US" dirty="0" smtClean="0"/>
+              <a:t>Notes</a:t>
+            </a:r>
+            <a:endParaRPr lang="en-US" dirty="0"/>
+          </a:p>
+        </p:txBody>
+      </p:sp>
+      <p:sp>
+        <p:nvSpPr>
+          <p:cNvPr id="3" name="Content Placeholder 2"/>
+          <p:cNvSpPr>
+            <a:spLocks noGrp="1"/>
+          </p:cNvSpPr>
+          <p:nvPr>
+            <p:ph idx="1"/>
+          </p:nvPr>
+        </p:nvSpPr>
+        <p:spPr/>
+        <p:txBody>
+          <a:bodyPr/>
+          <a:lstStyle/>
+          <a:p>
+            <a:r>
+              <a:rPr lang="en-US" dirty="0" err="1" smtClean="0"/>
+              <a:t>TiO</a:t>
+            </a:r>
+            <a:r>
+              <a:rPr lang="en-US" dirty="0" smtClean="0"/>
+              <a:t> (DFTB): search fails when </a:t>
+            </a:r>
+            <a:r>
+              <a:rPr lang="en-US" dirty="0" err="1" smtClean="0"/>
+              <a:t>reg</a:t>
+            </a:r>
+            <a:r>
+              <a:rPr lang="en-US" dirty="0" smtClean="0"/>
+              <a:t> is lowered from 10^-5 to 10^-7</a:t>
+            </a:r>
+            <a:endParaRPr lang="en-US" dirty="0"/>
+          </a:p>
+        </p:txBody>
+      </p:sp>
+    </p:spTree>
+    <p:extLst>
+      <p:ext uri="{BB962C8B-B14F-4D97-AF65-F5344CB8AC3E}">
+        <p14:creationId xmlns:p14="http://schemas.microsoft.com/office/powerpoint/2010/main" val="468430976"/>
       </p:ext>
     </p:extLst>
   </p:cSld>

--- a/progress.pptx
+++ b/progress.pptx
@@ -20,12 +20,19 @@
     <p:sldId id="268" r:id="rId14"/>
     <p:sldId id="275" r:id="rId15"/>
     <p:sldId id="276" r:id="rId16"/>
-    <p:sldId id="274" r:id="rId17"/>
-    <p:sldId id="273" r:id="rId18"/>
-    <p:sldId id="271" r:id="rId19"/>
-    <p:sldId id="259" r:id="rId20"/>
-    <p:sldId id="266" r:id="rId21"/>
-    <p:sldId id="260" r:id="rId22"/>
+    <p:sldId id="277" r:id="rId17"/>
+    <p:sldId id="274" r:id="rId18"/>
+    <p:sldId id="273" r:id="rId19"/>
+    <p:sldId id="279" r:id="rId20"/>
+    <p:sldId id="271" r:id="rId21"/>
+    <p:sldId id="278" r:id="rId22"/>
+    <p:sldId id="280" r:id="rId23"/>
+    <p:sldId id="281" r:id="rId24"/>
+    <p:sldId id="282" r:id="rId25"/>
+    <p:sldId id="283" r:id="rId26"/>
+    <p:sldId id="259" r:id="rId27"/>
+    <p:sldId id="266" r:id="rId28"/>
+    <p:sldId id="260" r:id="rId29"/>
   </p:sldIdLst>
   <p:sldSz cx="12192000" cy="6858000"/>
   <p:notesSz cx="6858000" cy="9144000"/>
@@ -4510,11 +4517,7 @@
             </a:r>
             <a:r>
               <a:rPr lang="en-US" dirty="0" smtClean="0"/>
-              <a:t> 2 best as </a:t>
-            </a:r>
-            <a:r>
-              <a:rPr lang="en-US" dirty="0" err="1" smtClean="0"/>
-              <a:t>refference</a:t>
+              <a:t> kernel width</a:t>
             </a:r>
             <a:endParaRPr lang="en-US" dirty="0"/>
           </a:p>
@@ -4522,7 +4525,7 @@
       </p:sp>
       <p:pic>
         <p:nvPicPr>
-          <p:cNvPr id="6" name="Picture 5"/>
+          <p:cNvPr id="3" name="Picture 2"/>
           <p:cNvPicPr>
             <a:picLocks noChangeAspect="1"/>
           </p:cNvPicPr>
@@ -4542,8 +4545,8 @@
         </p:blipFill>
         <p:spPr>
           <a:xfrm>
-            <a:off x="281449" y="1733346"/>
-            <a:ext cx="5854700" cy="4394200"/>
+            <a:off x="464575" y="2654901"/>
+            <a:ext cx="3313841" cy="2487177"/>
           </a:xfrm>
           <a:prstGeom prst="rect">
             <a:avLst/>
@@ -4552,7 +4555,7 @@
       </p:pic>
       <p:pic>
         <p:nvPicPr>
-          <p:cNvPr id="7" name="Picture 6"/>
+          <p:cNvPr id="4" name="Picture 3"/>
           <p:cNvPicPr>
             <a:picLocks noChangeAspect="1"/>
           </p:cNvPicPr>
@@ -4572,18 +4575,138 @@
         </p:blipFill>
         <p:spPr>
           <a:xfrm>
-            <a:off x="6136149" y="1733346"/>
-            <a:ext cx="5854700" cy="4394200"/>
+            <a:off x="3778416" y="1474838"/>
+            <a:ext cx="3313841" cy="4847303"/>
           </a:xfrm>
           <a:prstGeom prst="rect">
             <a:avLst/>
           </a:prstGeom>
         </p:spPr>
       </p:pic>
+      <p:pic>
+        <p:nvPicPr>
+          <p:cNvPr id="5" name="Picture 4"/>
+          <p:cNvPicPr>
+            <a:picLocks noChangeAspect="1"/>
+          </p:cNvPicPr>
+          <p:nvPr/>
+        </p:nvPicPr>
+        <p:blipFill>
+          <a:blip r:embed="rId4">
+            <a:extLst>
+              <a:ext uri="{28A0092B-C50C-407E-A947-70E740481C1C}">
+                <a14:useLocalDpi xmlns:a14="http://schemas.microsoft.com/office/drawing/2010/main" val="0"/>
+              </a:ext>
+            </a:extLst>
+          </a:blip>
+          <a:stretch>
+            <a:fillRect/>
+          </a:stretch>
+        </p:blipFill>
+        <p:spPr>
+          <a:xfrm>
+            <a:off x="7092257" y="1474838"/>
+            <a:ext cx="3313841" cy="4847303"/>
+          </a:xfrm>
+          <a:prstGeom prst="rect">
+            <a:avLst/>
+          </a:prstGeom>
+        </p:spPr>
+      </p:pic>
+      <p:sp>
+        <p:nvSpPr>
+          <p:cNvPr id="6" name="TextBox 5"/>
+          <p:cNvSpPr txBox="1"/>
+          <p:nvPr/>
+        </p:nvSpPr>
+        <p:spPr>
+          <a:xfrm>
+            <a:off x="1573108" y="1592826"/>
+            <a:ext cx="1096775" cy="369332"/>
+          </a:xfrm>
+          <a:prstGeom prst="rect">
+            <a:avLst/>
+          </a:prstGeom>
+          <a:noFill/>
+        </p:spPr>
+        <p:txBody>
+          <a:bodyPr wrap="none" rtlCol="0">
+            <a:spAutoFit/>
+          </a:bodyPr>
+          <a:lstStyle/>
+          <a:p>
+            <a:r>
+              <a:rPr lang="en-US" smtClean="0"/>
+              <a:t>Sigma=30</a:t>
+            </a:r>
+            <a:endParaRPr lang="en-US"/>
+          </a:p>
+        </p:txBody>
+      </p:sp>
+      <p:sp>
+        <p:nvSpPr>
+          <p:cNvPr id="7" name="TextBox 6"/>
+          <p:cNvSpPr txBox="1"/>
+          <p:nvPr/>
+        </p:nvSpPr>
+        <p:spPr>
+          <a:xfrm>
+            <a:off x="4886948" y="1592826"/>
+            <a:ext cx="1096775" cy="369332"/>
+          </a:xfrm>
+          <a:prstGeom prst="rect">
+            <a:avLst/>
+          </a:prstGeom>
+          <a:noFill/>
+        </p:spPr>
+        <p:txBody>
+          <a:bodyPr wrap="none" rtlCol="0">
+            <a:spAutoFit/>
+          </a:bodyPr>
+          <a:lstStyle/>
+          <a:p>
+            <a:r>
+              <a:rPr lang="en-US" dirty="0" smtClean="0"/>
+              <a:t>Sigma=10</a:t>
+            </a:r>
+            <a:endParaRPr lang="en-US" dirty="0"/>
+          </a:p>
+        </p:txBody>
+      </p:sp>
+      <p:sp>
+        <p:nvSpPr>
+          <p:cNvPr id="8" name="TextBox 7"/>
+          <p:cNvSpPr txBox="1"/>
+          <p:nvPr/>
+        </p:nvSpPr>
+        <p:spPr>
+          <a:xfrm>
+            <a:off x="8200789" y="1592826"/>
+            <a:ext cx="979755" cy="369332"/>
+          </a:xfrm>
+          <a:prstGeom prst="rect">
+            <a:avLst/>
+          </a:prstGeom>
+          <a:noFill/>
+        </p:spPr>
+        <p:txBody>
+          <a:bodyPr wrap="none" rtlCol="0">
+            <a:spAutoFit/>
+          </a:bodyPr>
+          <a:lstStyle/>
+          <a:p>
+            <a:r>
+              <a:rPr lang="en-US" dirty="0" smtClean="0"/>
+              <a:t>Sigma=3</a:t>
+            </a:r>
+            <a:endParaRPr lang="en-US" dirty="0"/>
+          </a:p>
+        </p:txBody>
+      </p:sp>
     </p:spTree>
     <p:extLst>
       <p:ext uri="{BB962C8B-B14F-4D97-AF65-F5344CB8AC3E}">
-        <p14:creationId xmlns:p14="http://schemas.microsoft.com/office/powerpoint/2010/main" val="1711801097"/>
+        <p14:creationId xmlns:p14="http://schemas.microsoft.com/office/powerpoint/2010/main" val="907729600"/>
       </p:ext>
     </p:extLst>
   </p:cSld>
@@ -4635,7 +4758,11 @@
             </a:r>
             <a:r>
               <a:rPr lang="en-US" dirty="0" smtClean="0"/>
-              <a:t> bias influence </a:t>
+              <a:t> 2 best as </a:t>
+            </a:r>
+            <a:r>
+              <a:rPr lang="en-US" dirty="0" err="1" smtClean="0"/>
+              <a:t>refference</a:t>
             </a:r>
             <a:endParaRPr lang="en-US" dirty="0"/>
           </a:p>
@@ -4701,102 +4828,10 @@
           </a:prstGeom>
         </p:spPr>
       </p:pic>
-      <p:sp>
-        <p:nvSpPr>
-          <p:cNvPr id="9" name="TextBox 8"/>
-          <p:cNvSpPr txBox="1"/>
-          <p:nvPr/>
-        </p:nvSpPr>
-        <p:spPr>
-          <a:xfrm>
-            <a:off x="2379407" y="1733346"/>
-            <a:ext cx="2004908" cy="369332"/>
-          </a:xfrm>
-          <a:prstGeom prst="rect">
-            <a:avLst/>
-          </a:prstGeom>
-          <a:noFill/>
-        </p:spPr>
-        <p:txBody>
-          <a:bodyPr wrap="none" rtlCol="0">
-            <a:spAutoFit/>
-          </a:bodyPr>
-          <a:lstStyle/>
-          <a:p>
-            <a:r>
-              <a:rPr lang="en-US" dirty="0" smtClean="0"/>
-              <a:t>Bias = mean(</a:t>
-            </a:r>
-            <a:r>
-              <a:rPr lang="en-US" dirty="0" err="1" smtClean="0"/>
-              <a:t>Etrain</a:t>
-            </a:r>
-            <a:r>
-              <a:rPr lang="en-US" dirty="0" smtClean="0"/>
-              <a:t>)</a:t>
-            </a:r>
-            <a:endParaRPr lang="en-US" dirty="0"/>
-          </a:p>
-        </p:txBody>
-      </p:sp>
-      <p:sp>
-        <p:nvSpPr>
-          <p:cNvPr id="12" name="TextBox 11"/>
-          <p:cNvSpPr txBox="1"/>
-          <p:nvPr/>
-        </p:nvSpPr>
-        <p:spPr>
-          <a:xfrm>
-            <a:off x="7396370" y="1733346"/>
-            <a:ext cx="3198055" cy="369332"/>
-          </a:xfrm>
-          <a:prstGeom prst="rect">
-            <a:avLst/>
-          </a:prstGeom>
-          <a:noFill/>
-        </p:spPr>
-        <p:txBody>
-          <a:bodyPr wrap="none" rtlCol="0">
-            <a:spAutoFit/>
-          </a:bodyPr>
-          <a:lstStyle/>
-          <a:p>
-            <a:r>
-              <a:rPr lang="en-US" dirty="0" smtClean="0"/>
-              <a:t>Bias = mean(</a:t>
-            </a:r>
-            <a:r>
-              <a:rPr lang="en-US" dirty="0" err="1" smtClean="0"/>
-              <a:t>Etrain</a:t>
-            </a:r>
-            <a:r>
-              <a:rPr lang="en-US" dirty="0" smtClean="0"/>
-              <a:t>) + </a:t>
-            </a:r>
-            <a:r>
-              <a:rPr lang="en-US" dirty="0" err="1" smtClean="0"/>
-              <a:t>std</a:t>
-            </a:r>
-            <a:r>
-              <a:rPr lang="en-US" dirty="0" smtClean="0"/>
-              <a:t>(</a:t>
-            </a:r>
-            <a:r>
-              <a:rPr lang="en-US" dirty="0" err="1" smtClean="0"/>
-              <a:t>Etrain</a:t>
-            </a:r>
-            <a:r>
-              <a:rPr lang="en-US" dirty="0" smtClean="0"/>
-              <a:t>)</a:t>
-            </a:r>
-            <a:endParaRPr lang="en-US" dirty="0"/>
-          </a:p>
-        </p:txBody>
-      </p:sp>
     </p:spTree>
     <p:extLst>
       <p:ext uri="{BB962C8B-B14F-4D97-AF65-F5344CB8AC3E}">
-        <p14:creationId xmlns:p14="http://schemas.microsoft.com/office/powerpoint/2010/main" val="1988573579"/>
+        <p14:creationId xmlns:p14="http://schemas.microsoft.com/office/powerpoint/2010/main" val="1711801097"/>
       </p:ext>
     </p:extLst>
   </p:cSld>
@@ -4840,7 +4875,15 @@
           <a:p>
             <a:r>
               <a:rPr lang="en-US" dirty="0" smtClean="0"/>
-              <a:t>Double step</a:t>
+              <a:t>Double step </a:t>
+            </a:r>
+            <a:r>
+              <a:rPr lang="mr-IN" dirty="0" smtClean="0"/>
+              <a:t>–</a:t>
+            </a:r>
+            <a:r>
+              <a:rPr lang="en-US" dirty="0" smtClean="0"/>
+              <a:t> bias influence </a:t>
             </a:r>
             <a:endParaRPr lang="en-US" dirty="0"/>
           </a:p>
@@ -4848,7 +4891,7 @@
       </p:sp>
       <p:pic>
         <p:nvPicPr>
-          <p:cNvPr id="4" name="Picture 3"/>
+          <p:cNvPr id="6" name="Picture 5"/>
           <p:cNvPicPr>
             <a:picLocks noChangeAspect="1"/>
           </p:cNvPicPr>
@@ -4868,8 +4911,8 @@
         </p:blipFill>
         <p:spPr>
           <a:xfrm>
-            <a:off x="265064" y="1690688"/>
-            <a:ext cx="2932198" cy="1963584"/>
+            <a:off x="281449" y="1733346"/>
+            <a:ext cx="5854700" cy="4394200"/>
           </a:xfrm>
           <a:prstGeom prst="rect">
             <a:avLst/>
@@ -4878,7 +4921,7 @@
       </p:pic>
       <p:pic>
         <p:nvPicPr>
-          <p:cNvPr id="6" name="Picture 5"/>
+          <p:cNvPr id="7" name="Picture 6"/>
           <p:cNvPicPr>
             <a:picLocks noChangeAspect="1"/>
           </p:cNvPicPr>
@@ -4898,144 +4941,24 @@
         </p:blipFill>
         <p:spPr>
           <a:xfrm>
-            <a:off x="3986707" y="972930"/>
-            <a:ext cx="2584423" cy="1707461"/>
+            <a:off x="6136149" y="1733346"/>
+            <a:ext cx="5854700" cy="4394200"/>
           </a:xfrm>
           <a:prstGeom prst="rect">
             <a:avLst/>
           </a:prstGeom>
         </p:spPr>
       </p:pic>
-      <p:pic>
-        <p:nvPicPr>
-          <p:cNvPr id="7" name="Picture 6"/>
-          <p:cNvPicPr>
-            <a:picLocks noChangeAspect="1"/>
-          </p:cNvPicPr>
-          <p:nvPr/>
-        </p:nvPicPr>
-        <p:blipFill>
-          <a:blip r:embed="rId4">
-            <a:extLst>
-              <a:ext uri="{28A0092B-C50C-407E-A947-70E740481C1C}">
-                <a14:useLocalDpi xmlns:a14="http://schemas.microsoft.com/office/drawing/2010/main" val="0"/>
-              </a:ext>
-            </a:extLst>
-          </a:blip>
-          <a:stretch>
-            <a:fillRect/>
-          </a:stretch>
-        </p:blipFill>
-        <p:spPr>
-          <a:xfrm>
-            <a:off x="6567361" y="3031209"/>
-            <a:ext cx="2623312" cy="1829260"/>
-          </a:xfrm>
-          <a:prstGeom prst="rect">
-            <a:avLst/>
-          </a:prstGeom>
-        </p:spPr>
-      </p:pic>
-      <p:pic>
-        <p:nvPicPr>
-          <p:cNvPr id="9" name="Picture 8"/>
-          <p:cNvPicPr>
-            <a:picLocks noChangeAspect="1"/>
-          </p:cNvPicPr>
-          <p:nvPr/>
-        </p:nvPicPr>
-        <p:blipFill>
-          <a:blip r:embed="rId5">
-            <a:extLst>
-              <a:ext uri="{28A0092B-C50C-407E-A947-70E740481C1C}">
-                <a14:useLocalDpi xmlns:a14="http://schemas.microsoft.com/office/drawing/2010/main" val="0"/>
-              </a:ext>
-            </a:extLst>
-          </a:blip>
-          <a:stretch>
-            <a:fillRect/>
-          </a:stretch>
-        </p:blipFill>
-        <p:spPr>
-          <a:xfrm>
-            <a:off x="9338333" y="966688"/>
-            <a:ext cx="2722456" cy="1835502"/>
-          </a:xfrm>
-          <a:prstGeom prst="rect">
-            <a:avLst/>
-          </a:prstGeom>
-        </p:spPr>
-      </p:pic>
-      <p:pic>
-        <p:nvPicPr>
-          <p:cNvPr id="12" name="Picture 11"/>
-          <p:cNvPicPr>
-            <a:picLocks noChangeAspect="1"/>
-          </p:cNvPicPr>
-          <p:nvPr/>
-        </p:nvPicPr>
-        <p:blipFill>
-          <a:blip r:embed="rId6">
-            <a:extLst>
-              <a:ext uri="{28A0092B-C50C-407E-A947-70E740481C1C}">
-                <a14:useLocalDpi xmlns:a14="http://schemas.microsoft.com/office/drawing/2010/main" val="0"/>
-              </a:ext>
-            </a:extLst>
-          </a:blip>
-          <a:stretch>
-            <a:fillRect/>
-          </a:stretch>
-        </p:blipFill>
-        <p:spPr>
-          <a:xfrm>
-            <a:off x="6567361" y="968685"/>
-            <a:ext cx="2527300" cy="1688644"/>
-          </a:xfrm>
-          <a:prstGeom prst="rect">
-            <a:avLst/>
-          </a:prstGeom>
-        </p:spPr>
-      </p:pic>
-      <p:pic>
-        <p:nvPicPr>
-          <p:cNvPr id="13" name="Picture 12"/>
-          <p:cNvPicPr>
-            <a:picLocks noChangeAspect="1"/>
-          </p:cNvPicPr>
-          <p:nvPr/>
-        </p:nvPicPr>
-        <p:blipFill>
-          <a:blip r:embed="rId7">
-            <a:extLst>
-              <a:ext uri="{28A0092B-C50C-407E-A947-70E740481C1C}">
-                <a14:useLocalDpi xmlns:a14="http://schemas.microsoft.com/office/drawing/2010/main" val="0"/>
-              </a:ext>
-            </a:extLst>
-          </a:blip>
-          <a:stretch>
-            <a:fillRect/>
-          </a:stretch>
-        </p:blipFill>
-        <p:spPr>
-          <a:xfrm>
-            <a:off x="9435690" y="3032888"/>
-            <a:ext cx="2569497" cy="1718746"/>
-          </a:xfrm>
-          <a:prstGeom prst="rect">
-            <a:avLst/>
-          </a:prstGeom>
-        </p:spPr>
-      </p:pic>
-      <p:sp>
-        <p:nvSpPr>
-          <p:cNvPr id="14" name="TextBox 13"/>
+      <p:sp>
+        <p:nvSpPr>
+          <p:cNvPr id="9" name="TextBox 8"/>
           <p:cNvSpPr txBox="1"/>
           <p:nvPr/>
         </p:nvSpPr>
         <p:spPr>
           <a:xfrm>
-            <a:off x="1384950" y="1858297"/>
-            <a:ext cx="575799" cy="369332"/>
+            <a:off x="2379407" y="1733346"/>
+            <a:ext cx="2004908" cy="369332"/>
           </a:xfrm>
           <a:prstGeom prst="rect">
             <a:avLst/>
@@ -5049,23 +4972,31 @@
           <a:lstStyle/>
           <a:p>
             <a:r>
-              <a:rPr lang="en-US" smtClean="0"/>
-              <a:t>Slab</a:t>
-            </a:r>
-            <a:endParaRPr lang="en-US"/>
-          </a:p>
-        </p:txBody>
-      </p:sp>
-      <p:sp>
-        <p:nvSpPr>
-          <p:cNvPr id="16" name="TextBox 15"/>
+              <a:rPr lang="en-US" dirty="0" smtClean="0"/>
+              <a:t>Bias = mean(</a:t>
+            </a:r>
+            <a:r>
+              <a:rPr lang="en-US" dirty="0" err="1" smtClean="0"/>
+              <a:t>Etrain</a:t>
+            </a:r>
+            <a:r>
+              <a:rPr lang="en-US" dirty="0" smtClean="0"/>
+              <a:t>)</a:t>
+            </a:r>
+            <a:endParaRPr lang="en-US" dirty="0"/>
+          </a:p>
+        </p:txBody>
+      </p:sp>
+      <p:sp>
+        <p:nvSpPr>
+          <p:cNvPr id="12" name="TextBox 11"/>
           <p:cNvSpPr txBox="1"/>
           <p:nvPr/>
         </p:nvSpPr>
         <p:spPr>
           <a:xfrm>
-            <a:off x="4719483" y="776745"/>
-            <a:ext cx="301686" cy="369332"/>
+            <a:off x="7396370" y="1733346"/>
+            <a:ext cx="3198055" cy="369332"/>
           </a:xfrm>
           <a:prstGeom prst="rect">
             <a:avLst/>
@@ -5080,333 +5011,40 @@
           <a:p>
             <a:r>
               <a:rPr lang="en-US" dirty="0" smtClean="0"/>
-              <a:t>1</a:t>
+              <a:t>Bias = mean(</a:t>
+            </a:r>
+            <a:r>
+              <a:rPr lang="en-US" dirty="0" err="1" smtClean="0"/>
+              <a:t>Etrain</a:t>
+            </a:r>
+            <a:r>
+              <a:rPr lang="en-US" dirty="0" smtClean="0"/>
+              <a:t>) + </a:t>
+            </a:r>
+            <a:r>
+              <a:rPr lang="en-US" dirty="0" err="1" smtClean="0"/>
+              <a:t>std</a:t>
+            </a:r>
+            <a:r>
+              <a:rPr lang="en-US" dirty="0" smtClean="0"/>
+              <a:t>(</a:t>
+            </a:r>
+            <a:r>
+              <a:rPr lang="en-US" dirty="0" err="1" smtClean="0"/>
+              <a:t>Etrain</a:t>
+            </a:r>
+            <a:r>
+              <a:rPr lang="en-US" dirty="0" smtClean="0"/>
+              <a:t>)</a:t>
             </a:r>
             <a:endParaRPr lang="en-US" dirty="0"/>
-          </a:p>
-        </p:txBody>
-      </p:sp>
-      <p:sp>
-        <p:nvSpPr>
-          <p:cNvPr id="17" name="TextBox 16"/>
-          <p:cNvSpPr txBox="1"/>
-          <p:nvPr/>
-        </p:nvSpPr>
-        <p:spPr>
-          <a:xfrm>
-            <a:off x="7492180" y="825907"/>
-            <a:ext cx="301686" cy="369332"/>
-          </a:xfrm>
-          <a:prstGeom prst="rect">
-            <a:avLst/>
-          </a:prstGeom>
-          <a:noFill/>
-        </p:spPr>
-        <p:txBody>
-          <a:bodyPr wrap="none" rtlCol="0">
-            <a:spAutoFit/>
-          </a:bodyPr>
-          <a:lstStyle/>
-          <a:p>
-            <a:r>
-              <a:rPr lang="en-US" dirty="0" smtClean="0"/>
-              <a:t>2</a:t>
-            </a:r>
-            <a:endParaRPr lang="en-US" dirty="0"/>
-          </a:p>
-        </p:txBody>
-      </p:sp>
-      <p:sp>
-        <p:nvSpPr>
-          <p:cNvPr id="18" name="TextBox 17"/>
-          <p:cNvSpPr txBox="1"/>
-          <p:nvPr/>
-        </p:nvSpPr>
-        <p:spPr>
-          <a:xfrm>
-            <a:off x="10068232" y="825907"/>
-            <a:ext cx="301686" cy="369332"/>
-          </a:xfrm>
-          <a:prstGeom prst="rect">
-            <a:avLst/>
-          </a:prstGeom>
-          <a:noFill/>
-        </p:spPr>
-        <p:txBody>
-          <a:bodyPr wrap="none" rtlCol="0">
-            <a:spAutoFit/>
-          </a:bodyPr>
-          <a:lstStyle/>
-          <a:p>
-            <a:r>
-              <a:rPr lang="en-US" dirty="0" smtClean="0"/>
-              <a:t>3</a:t>
-            </a:r>
-            <a:endParaRPr lang="en-US" dirty="0"/>
-          </a:p>
-        </p:txBody>
-      </p:sp>
-      <p:sp>
-        <p:nvSpPr>
-          <p:cNvPr id="19" name="TextBox 18"/>
-          <p:cNvSpPr txBox="1"/>
-          <p:nvPr/>
-        </p:nvSpPr>
-        <p:spPr>
-          <a:xfrm>
-            <a:off x="7157884" y="2871019"/>
-            <a:ext cx="301686" cy="369332"/>
-          </a:xfrm>
-          <a:prstGeom prst="rect">
-            <a:avLst/>
-          </a:prstGeom>
-          <a:noFill/>
-        </p:spPr>
-        <p:txBody>
-          <a:bodyPr wrap="none" rtlCol="0">
-            <a:spAutoFit/>
-          </a:bodyPr>
-          <a:lstStyle/>
-          <a:p>
-            <a:r>
-              <a:rPr lang="en-US" dirty="0" smtClean="0"/>
-              <a:t>4</a:t>
-            </a:r>
-            <a:endParaRPr lang="en-US" dirty="0"/>
-          </a:p>
-        </p:txBody>
-      </p:sp>
-      <p:sp>
-        <p:nvSpPr>
-          <p:cNvPr id="20" name="TextBox 19"/>
-          <p:cNvSpPr txBox="1"/>
-          <p:nvPr/>
-        </p:nvSpPr>
-        <p:spPr>
-          <a:xfrm>
-            <a:off x="10019071" y="2861187"/>
-            <a:ext cx="301686" cy="369332"/>
-          </a:xfrm>
-          <a:prstGeom prst="rect">
-            <a:avLst/>
-          </a:prstGeom>
-          <a:noFill/>
-        </p:spPr>
-        <p:txBody>
-          <a:bodyPr wrap="none" rtlCol="0">
-            <a:spAutoFit/>
-          </a:bodyPr>
-          <a:lstStyle/>
-          <a:p>
-            <a:r>
-              <a:rPr lang="en-US" dirty="0" smtClean="0"/>
-              <a:t>5</a:t>
-            </a:r>
-            <a:endParaRPr lang="en-US" dirty="0"/>
-          </a:p>
-        </p:txBody>
-      </p:sp>
-      <p:pic>
-        <p:nvPicPr>
-          <p:cNvPr id="21" name="Picture 20"/>
-          <p:cNvPicPr>
-            <a:picLocks noChangeAspect="1"/>
-          </p:cNvPicPr>
-          <p:nvPr/>
-        </p:nvPicPr>
-        <p:blipFill>
-          <a:blip r:embed="rId8">
-            <a:extLst>
-              <a:ext uri="{28A0092B-C50C-407E-A947-70E740481C1C}">
-                <a14:useLocalDpi xmlns:a14="http://schemas.microsoft.com/office/drawing/2010/main" val="0"/>
-              </a:ext>
-            </a:extLst>
-          </a:blip>
-          <a:stretch>
-            <a:fillRect/>
-          </a:stretch>
-        </p:blipFill>
-        <p:spPr>
-          <a:xfrm>
-            <a:off x="730065" y="3891011"/>
-            <a:ext cx="3773109" cy="2627202"/>
-          </a:xfrm>
-          <a:prstGeom prst="rect">
-            <a:avLst/>
-          </a:prstGeom>
-        </p:spPr>
-      </p:pic>
-      <p:cxnSp>
-        <p:nvCxnSpPr>
-          <p:cNvPr id="23" name="Straight Arrow Connector 22"/>
-          <p:cNvCxnSpPr/>
-          <p:nvPr/>
-        </p:nvCxnSpPr>
-        <p:spPr>
-          <a:xfrm flipH="1">
-            <a:off x="4326193" y="5850194"/>
-            <a:ext cx="393290" cy="294967"/>
-          </a:xfrm>
-          <a:prstGeom prst="straightConnector1">
-            <a:avLst/>
-          </a:prstGeom>
-          <a:ln>
-            <a:tailEnd type="triangle"/>
-          </a:ln>
-        </p:spPr>
-        <p:style>
-          <a:lnRef idx="3">
-            <a:schemeClr val="dk1"/>
-          </a:lnRef>
-          <a:fillRef idx="0">
-            <a:schemeClr val="dk1"/>
-          </a:fillRef>
-          <a:effectRef idx="2">
-            <a:schemeClr val="dk1"/>
-          </a:effectRef>
-          <a:fontRef idx="minor">
-            <a:schemeClr val="tx1"/>
-          </a:fontRef>
-        </p:style>
-      </p:cxnSp>
-      <p:sp>
-        <p:nvSpPr>
-          <p:cNvPr id="24" name="TextBox 23"/>
-          <p:cNvSpPr txBox="1"/>
-          <p:nvPr/>
-        </p:nvSpPr>
-        <p:spPr>
-          <a:xfrm>
-            <a:off x="4575607" y="5518045"/>
-            <a:ext cx="1114408" cy="369332"/>
-          </a:xfrm>
-          <a:prstGeom prst="rect">
-            <a:avLst/>
-          </a:prstGeom>
-          <a:noFill/>
-        </p:spPr>
-        <p:txBody>
-          <a:bodyPr wrap="none" rtlCol="0">
-            <a:spAutoFit/>
-          </a:bodyPr>
-          <a:lstStyle/>
-          <a:p>
-            <a:r>
-              <a:rPr lang="en-US" dirty="0" smtClean="0"/>
-              <a:t>E = -763.7</a:t>
-            </a:r>
-            <a:endParaRPr lang="en-US" dirty="0"/>
-          </a:p>
-        </p:txBody>
-      </p:sp>
-      <p:sp>
-        <p:nvSpPr>
-          <p:cNvPr id="25" name="TextBox 24"/>
-          <p:cNvSpPr txBox="1"/>
-          <p:nvPr/>
-        </p:nvSpPr>
-        <p:spPr>
-          <a:xfrm>
-            <a:off x="4591101" y="6166971"/>
-            <a:ext cx="1375633" cy="369332"/>
-          </a:xfrm>
-          <a:prstGeom prst="rect">
-            <a:avLst/>
-          </a:prstGeom>
-          <a:noFill/>
-        </p:spPr>
-        <p:txBody>
-          <a:bodyPr wrap="none" rtlCol="0">
-            <a:spAutoFit/>
-          </a:bodyPr>
-          <a:lstStyle/>
-          <a:p>
-            <a:r>
-              <a:rPr lang="en-US" dirty="0" err="1" smtClean="0"/>
-              <a:t>Eref</a:t>
-            </a:r>
-            <a:r>
-              <a:rPr lang="en-US" dirty="0" smtClean="0"/>
-              <a:t> = -763.3</a:t>
-            </a:r>
-            <a:endParaRPr lang="en-US" dirty="0"/>
-          </a:p>
-        </p:txBody>
-      </p:sp>
-      <p:sp>
-        <p:nvSpPr>
-          <p:cNvPr id="26" name="TextBox 25"/>
-          <p:cNvSpPr txBox="1"/>
-          <p:nvPr/>
-        </p:nvSpPr>
-        <p:spPr>
-          <a:xfrm>
-            <a:off x="6116875" y="4913482"/>
-            <a:ext cx="6075125" cy="1754326"/>
-          </a:xfrm>
-          <a:prstGeom prst="rect">
-            <a:avLst/>
-          </a:prstGeom>
-          <a:noFill/>
-        </p:spPr>
-        <p:txBody>
-          <a:bodyPr wrap="none" rtlCol="0">
-            <a:spAutoFit/>
-          </a:bodyPr>
-          <a:lstStyle/>
-          <a:p>
-            <a:r>
-              <a:rPr lang="en-US" dirty="0" smtClean="0"/>
-              <a:t>These examples show the best structures from 5 runs.</a:t>
-            </a:r>
-            <a:br>
-              <a:rPr lang="en-US" dirty="0" smtClean="0"/>
-            </a:br>
-            <a:r>
-              <a:rPr lang="en-US" dirty="0" smtClean="0"/>
-              <a:t>There might be a correlation between the energy and the</a:t>
-            </a:r>
-            <a:br>
-              <a:rPr lang="en-US" dirty="0" smtClean="0"/>
-            </a:br>
-            <a:r>
-              <a:rPr lang="en-US" dirty="0" smtClean="0"/>
-              <a:t>change</a:t>
-            </a:r>
-            <a:r>
-              <a:rPr lang="en-US" dirty="0"/>
-              <a:t> </a:t>
-            </a:r>
-            <a:r>
-              <a:rPr lang="en-US" dirty="0" smtClean="0"/>
-              <a:t>in the position of the movable slab atoms. (these</a:t>
-            </a:r>
-          </a:p>
-          <a:p>
-            <a:r>
-              <a:rPr lang="en-US" dirty="0"/>
-              <a:t>d</a:t>
-            </a:r>
-            <a:r>
-              <a:rPr lang="en-US" dirty="0" smtClean="0"/>
-              <a:t>oes not take place in mutations, but only in model-relaxation)</a:t>
-            </a:r>
-          </a:p>
-          <a:p>
-            <a:endParaRPr lang="en-US" dirty="0"/>
-          </a:p>
-          <a:p>
-            <a:r>
-              <a:rPr lang="en-US" dirty="0" smtClean="0"/>
-              <a:t>=&gt; Maybe they should therefor also take part in mutations.</a:t>
-            </a:r>
           </a:p>
         </p:txBody>
       </p:sp>
     </p:spTree>
     <p:extLst>
       <p:ext uri="{BB962C8B-B14F-4D97-AF65-F5344CB8AC3E}">
-        <p14:creationId xmlns:p14="http://schemas.microsoft.com/office/powerpoint/2010/main" val="1991925753"/>
+        <p14:creationId xmlns:p14="http://schemas.microsoft.com/office/powerpoint/2010/main" val="1988573579"/>
       </p:ext>
     </p:extLst>
   </p:cSld>
@@ -5450,41 +5088,195 @@
           <a:p>
             <a:r>
               <a:rPr lang="en-US" dirty="0" smtClean="0"/>
-              <a:t>Currently</a:t>
+              <a:t>Double step </a:t>
+            </a:r>
+            <a:r>
+              <a:rPr lang="mr-IN" dirty="0" smtClean="0"/>
+              <a:t>–</a:t>
+            </a:r>
+            <a:r>
+              <a:rPr lang="en-US" dirty="0" smtClean="0"/>
+              <a:t> Changing kernel width</a:t>
             </a:r>
             <a:endParaRPr lang="en-US" dirty="0"/>
           </a:p>
         </p:txBody>
       </p:sp>
-      <p:sp>
-        <p:nvSpPr>
-          <p:cNvPr id="3" name="Content Placeholder 2"/>
-          <p:cNvSpPr>
-            <a:spLocks noGrp="1"/>
-          </p:cNvSpPr>
-          <p:nvPr>
-            <p:ph idx="1"/>
-          </p:nvPr>
-        </p:nvSpPr>
-        <p:spPr/>
-        <p:txBody>
-          <a:bodyPr/>
-          <a:lstStyle/>
-          <a:p>
-            <a:r>
-              <a:rPr lang="en-US" dirty="0" err="1" smtClean="0"/>
-              <a:t>TiO</a:t>
-            </a:r>
-            <a:r>
-              <a:rPr lang="en-US" dirty="0" smtClean="0"/>
-              <a:t> (DFTB): Running with new rattle</a:t>
-            </a:r>
-            <a:endParaRPr lang="en-US" dirty="0" smtClean="0"/>
-          </a:p>
-          <a:p>
-            <a:r>
-              <a:rPr lang="en-US" dirty="0" smtClean="0"/>
-              <a:t>Step: running with new calculator.</a:t>
+      <p:pic>
+        <p:nvPicPr>
+          <p:cNvPr id="3" name="Picture 2"/>
+          <p:cNvPicPr>
+            <a:picLocks noChangeAspect="1"/>
+          </p:cNvPicPr>
+          <p:nvPr/>
+        </p:nvPicPr>
+        <p:blipFill>
+          <a:blip r:embed="rId2">
+            <a:extLst>
+              <a:ext uri="{28A0092B-C50C-407E-A947-70E740481C1C}">
+                <a14:useLocalDpi xmlns:a14="http://schemas.microsoft.com/office/drawing/2010/main" val="0"/>
+              </a:ext>
+            </a:extLst>
+          </a:blip>
+          <a:stretch>
+            <a:fillRect/>
+          </a:stretch>
+        </p:blipFill>
+        <p:spPr>
+          <a:xfrm>
+            <a:off x="104467" y="2182761"/>
+            <a:ext cx="4164160" cy="3125378"/>
+          </a:xfrm>
+          <a:prstGeom prst="rect">
+            <a:avLst/>
+          </a:prstGeom>
+        </p:spPr>
+      </p:pic>
+      <p:pic>
+        <p:nvPicPr>
+          <p:cNvPr id="4" name="Picture 3"/>
+          <p:cNvPicPr>
+            <a:picLocks noChangeAspect="1"/>
+          </p:cNvPicPr>
+          <p:nvPr/>
+        </p:nvPicPr>
+        <p:blipFill>
+          <a:blip r:embed="rId3">
+            <a:extLst>
+              <a:ext uri="{28A0092B-C50C-407E-A947-70E740481C1C}">
+                <a14:useLocalDpi xmlns:a14="http://schemas.microsoft.com/office/drawing/2010/main" val="0"/>
+              </a:ext>
+            </a:extLst>
+          </a:blip>
+          <a:stretch>
+            <a:fillRect/>
+          </a:stretch>
+        </p:blipFill>
+        <p:spPr>
+          <a:xfrm>
+            <a:off x="4017703" y="2182762"/>
+            <a:ext cx="4164159" cy="3125378"/>
+          </a:xfrm>
+          <a:prstGeom prst="rect">
+            <a:avLst/>
+          </a:prstGeom>
+        </p:spPr>
+      </p:pic>
+      <p:pic>
+        <p:nvPicPr>
+          <p:cNvPr id="5" name="Picture 4"/>
+          <p:cNvPicPr>
+            <a:picLocks noChangeAspect="1"/>
+          </p:cNvPicPr>
+          <p:nvPr/>
+        </p:nvPicPr>
+        <p:blipFill>
+          <a:blip r:embed="rId4">
+            <a:extLst>
+              <a:ext uri="{28A0092B-C50C-407E-A947-70E740481C1C}">
+                <a14:useLocalDpi xmlns:a14="http://schemas.microsoft.com/office/drawing/2010/main" val="0"/>
+              </a:ext>
+            </a:extLst>
+          </a:blip>
+          <a:stretch>
+            <a:fillRect/>
+          </a:stretch>
+        </p:blipFill>
+        <p:spPr>
+          <a:xfrm>
+            <a:off x="7940773" y="2182761"/>
+            <a:ext cx="4164160" cy="3125378"/>
+          </a:xfrm>
+          <a:prstGeom prst="rect">
+            <a:avLst/>
+          </a:prstGeom>
+        </p:spPr>
+      </p:pic>
+      <p:sp>
+        <p:nvSpPr>
+          <p:cNvPr id="8" name="TextBox 7"/>
+          <p:cNvSpPr txBox="1"/>
+          <p:nvPr/>
+        </p:nvSpPr>
+        <p:spPr>
+          <a:xfrm>
+            <a:off x="1644161" y="1956619"/>
+            <a:ext cx="1096775" cy="369332"/>
+          </a:xfrm>
+          <a:prstGeom prst="rect">
+            <a:avLst/>
+          </a:prstGeom>
+          <a:noFill/>
+        </p:spPr>
+        <p:txBody>
+          <a:bodyPr wrap="none" rtlCol="0">
+            <a:spAutoFit/>
+          </a:bodyPr>
+          <a:lstStyle/>
+          <a:p>
+            <a:r>
+              <a:rPr lang="en-US" dirty="0" smtClean="0"/>
+              <a:t>Sigma=30</a:t>
+            </a:r>
+            <a:endParaRPr lang="en-US" dirty="0"/>
+          </a:p>
+        </p:txBody>
+      </p:sp>
+      <p:sp>
+        <p:nvSpPr>
+          <p:cNvPr id="10" name="TextBox 9"/>
+          <p:cNvSpPr txBox="1"/>
+          <p:nvPr/>
+        </p:nvSpPr>
+        <p:spPr>
+          <a:xfrm>
+            <a:off x="5545394" y="1956619"/>
+            <a:ext cx="1096775" cy="369332"/>
+          </a:xfrm>
+          <a:prstGeom prst="rect">
+            <a:avLst/>
+          </a:prstGeom>
+          <a:noFill/>
+        </p:spPr>
+        <p:txBody>
+          <a:bodyPr wrap="none" rtlCol="0">
+            <a:spAutoFit/>
+          </a:bodyPr>
+          <a:lstStyle/>
+          <a:p>
+            <a:r>
+              <a:rPr lang="en-US" dirty="0" smtClean="0"/>
+              <a:t>Sigma=10</a:t>
+            </a:r>
+            <a:endParaRPr lang="en-US" dirty="0"/>
+          </a:p>
+        </p:txBody>
+      </p:sp>
+      <p:sp>
+        <p:nvSpPr>
+          <p:cNvPr id="11" name="TextBox 10"/>
+          <p:cNvSpPr txBox="1"/>
+          <p:nvPr/>
+        </p:nvSpPr>
+        <p:spPr>
+          <a:xfrm>
+            <a:off x="9532975" y="1956619"/>
+            <a:ext cx="979755" cy="369332"/>
+          </a:xfrm>
+          <a:prstGeom prst="rect">
+            <a:avLst/>
+          </a:prstGeom>
+          <a:noFill/>
+        </p:spPr>
+        <p:txBody>
+          <a:bodyPr wrap="none" rtlCol="0">
+            <a:spAutoFit/>
+          </a:bodyPr>
+          <a:lstStyle/>
+          <a:p>
+            <a:r>
+              <a:rPr lang="en-US" dirty="0" smtClean="0"/>
+              <a:t>Sigma=3</a:t>
             </a:r>
             <a:endParaRPr lang="en-US" dirty="0"/>
           </a:p>
@@ -5493,7 +5285,7 @@
     </p:spTree>
     <p:extLst>
       <p:ext uri="{BB962C8B-B14F-4D97-AF65-F5344CB8AC3E}">
-        <p14:creationId xmlns:p14="http://schemas.microsoft.com/office/powerpoint/2010/main" val="331033854"/>
+        <p14:creationId xmlns:p14="http://schemas.microsoft.com/office/powerpoint/2010/main" val="17624890"/>
       </p:ext>
     </p:extLst>
   </p:cSld>
@@ -5687,7 +5479,1668 @@
           <a:p>
             <a:r>
               <a:rPr lang="en-US" dirty="0" smtClean="0"/>
-              <a:t>To-do</a:t>
+              <a:t>Double step</a:t>
+            </a:r>
+            <a:endParaRPr lang="en-US" dirty="0"/>
+          </a:p>
+        </p:txBody>
+      </p:sp>
+      <p:pic>
+        <p:nvPicPr>
+          <p:cNvPr id="4" name="Picture 3"/>
+          <p:cNvPicPr>
+            <a:picLocks noChangeAspect="1"/>
+          </p:cNvPicPr>
+          <p:nvPr/>
+        </p:nvPicPr>
+        <p:blipFill>
+          <a:blip r:embed="rId2">
+            <a:extLst>
+              <a:ext uri="{28A0092B-C50C-407E-A947-70E740481C1C}">
+                <a14:useLocalDpi xmlns:a14="http://schemas.microsoft.com/office/drawing/2010/main" val="0"/>
+              </a:ext>
+            </a:extLst>
+          </a:blip>
+          <a:stretch>
+            <a:fillRect/>
+          </a:stretch>
+        </p:blipFill>
+        <p:spPr>
+          <a:xfrm>
+            <a:off x="265064" y="1690688"/>
+            <a:ext cx="2932198" cy="1963584"/>
+          </a:xfrm>
+          <a:prstGeom prst="rect">
+            <a:avLst/>
+          </a:prstGeom>
+        </p:spPr>
+      </p:pic>
+      <p:pic>
+        <p:nvPicPr>
+          <p:cNvPr id="6" name="Picture 5"/>
+          <p:cNvPicPr>
+            <a:picLocks noChangeAspect="1"/>
+          </p:cNvPicPr>
+          <p:nvPr/>
+        </p:nvPicPr>
+        <p:blipFill>
+          <a:blip r:embed="rId3">
+            <a:extLst>
+              <a:ext uri="{28A0092B-C50C-407E-A947-70E740481C1C}">
+                <a14:useLocalDpi xmlns:a14="http://schemas.microsoft.com/office/drawing/2010/main" val="0"/>
+              </a:ext>
+            </a:extLst>
+          </a:blip>
+          <a:stretch>
+            <a:fillRect/>
+          </a:stretch>
+        </p:blipFill>
+        <p:spPr>
+          <a:xfrm>
+            <a:off x="3986707" y="972930"/>
+            <a:ext cx="2584423" cy="1707461"/>
+          </a:xfrm>
+          <a:prstGeom prst="rect">
+            <a:avLst/>
+          </a:prstGeom>
+        </p:spPr>
+      </p:pic>
+      <p:pic>
+        <p:nvPicPr>
+          <p:cNvPr id="7" name="Picture 6"/>
+          <p:cNvPicPr>
+            <a:picLocks noChangeAspect="1"/>
+          </p:cNvPicPr>
+          <p:nvPr/>
+        </p:nvPicPr>
+        <p:blipFill>
+          <a:blip r:embed="rId4">
+            <a:extLst>
+              <a:ext uri="{28A0092B-C50C-407E-A947-70E740481C1C}">
+                <a14:useLocalDpi xmlns:a14="http://schemas.microsoft.com/office/drawing/2010/main" val="0"/>
+              </a:ext>
+            </a:extLst>
+          </a:blip>
+          <a:stretch>
+            <a:fillRect/>
+          </a:stretch>
+        </p:blipFill>
+        <p:spPr>
+          <a:xfrm>
+            <a:off x="6567361" y="3031209"/>
+            <a:ext cx="2623312" cy="1829260"/>
+          </a:xfrm>
+          <a:prstGeom prst="rect">
+            <a:avLst/>
+          </a:prstGeom>
+        </p:spPr>
+      </p:pic>
+      <p:pic>
+        <p:nvPicPr>
+          <p:cNvPr id="9" name="Picture 8"/>
+          <p:cNvPicPr>
+            <a:picLocks noChangeAspect="1"/>
+          </p:cNvPicPr>
+          <p:nvPr/>
+        </p:nvPicPr>
+        <p:blipFill>
+          <a:blip r:embed="rId5">
+            <a:extLst>
+              <a:ext uri="{28A0092B-C50C-407E-A947-70E740481C1C}">
+                <a14:useLocalDpi xmlns:a14="http://schemas.microsoft.com/office/drawing/2010/main" val="0"/>
+              </a:ext>
+            </a:extLst>
+          </a:blip>
+          <a:stretch>
+            <a:fillRect/>
+          </a:stretch>
+        </p:blipFill>
+        <p:spPr>
+          <a:xfrm>
+            <a:off x="9338333" y="966688"/>
+            <a:ext cx="2722456" cy="1835502"/>
+          </a:xfrm>
+          <a:prstGeom prst="rect">
+            <a:avLst/>
+          </a:prstGeom>
+        </p:spPr>
+      </p:pic>
+      <p:pic>
+        <p:nvPicPr>
+          <p:cNvPr id="12" name="Picture 11"/>
+          <p:cNvPicPr>
+            <a:picLocks noChangeAspect="1"/>
+          </p:cNvPicPr>
+          <p:nvPr/>
+        </p:nvPicPr>
+        <p:blipFill>
+          <a:blip r:embed="rId6">
+            <a:extLst>
+              <a:ext uri="{28A0092B-C50C-407E-A947-70E740481C1C}">
+                <a14:useLocalDpi xmlns:a14="http://schemas.microsoft.com/office/drawing/2010/main" val="0"/>
+              </a:ext>
+            </a:extLst>
+          </a:blip>
+          <a:stretch>
+            <a:fillRect/>
+          </a:stretch>
+        </p:blipFill>
+        <p:spPr>
+          <a:xfrm>
+            <a:off x="6567361" y="968685"/>
+            <a:ext cx="2527300" cy="1688644"/>
+          </a:xfrm>
+          <a:prstGeom prst="rect">
+            <a:avLst/>
+          </a:prstGeom>
+        </p:spPr>
+      </p:pic>
+      <p:pic>
+        <p:nvPicPr>
+          <p:cNvPr id="13" name="Picture 12"/>
+          <p:cNvPicPr>
+            <a:picLocks noChangeAspect="1"/>
+          </p:cNvPicPr>
+          <p:nvPr/>
+        </p:nvPicPr>
+        <p:blipFill>
+          <a:blip r:embed="rId7">
+            <a:extLst>
+              <a:ext uri="{28A0092B-C50C-407E-A947-70E740481C1C}">
+                <a14:useLocalDpi xmlns:a14="http://schemas.microsoft.com/office/drawing/2010/main" val="0"/>
+              </a:ext>
+            </a:extLst>
+          </a:blip>
+          <a:stretch>
+            <a:fillRect/>
+          </a:stretch>
+        </p:blipFill>
+        <p:spPr>
+          <a:xfrm>
+            <a:off x="9435690" y="3032888"/>
+            <a:ext cx="2569497" cy="1718746"/>
+          </a:xfrm>
+          <a:prstGeom prst="rect">
+            <a:avLst/>
+          </a:prstGeom>
+        </p:spPr>
+      </p:pic>
+      <p:sp>
+        <p:nvSpPr>
+          <p:cNvPr id="14" name="TextBox 13"/>
+          <p:cNvSpPr txBox="1"/>
+          <p:nvPr/>
+        </p:nvSpPr>
+        <p:spPr>
+          <a:xfrm>
+            <a:off x="1384950" y="1858297"/>
+            <a:ext cx="575799" cy="369332"/>
+          </a:xfrm>
+          <a:prstGeom prst="rect">
+            <a:avLst/>
+          </a:prstGeom>
+          <a:noFill/>
+        </p:spPr>
+        <p:txBody>
+          <a:bodyPr wrap="none" rtlCol="0">
+            <a:spAutoFit/>
+          </a:bodyPr>
+          <a:lstStyle/>
+          <a:p>
+            <a:r>
+              <a:rPr lang="en-US" smtClean="0"/>
+              <a:t>Slab</a:t>
+            </a:r>
+            <a:endParaRPr lang="en-US"/>
+          </a:p>
+        </p:txBody>
+      </p:sp>
+      <p:sp>
+        <p:nvSpPr>
+          <p:cNvPr id="16" name="TextBox 15"/>
+          <p:cNvSpPr txBox="1"/>
+          <p:nvPr/>
+        </p:nvSpPr>
+        <p:spPr>
+          <a:xfrm>
+            <a:off x="4719483" y="776745"/>
+            <a:ext cx="301686" cy="369332"/>
+          </a:xfrm>
+          <a:prstGeom prst="rect">
+            <a:avLst/>
+          </a:prstGeom>
+          <a:noFill/>
+        </p:spPr>
+        <p:txBody>
+          <a:bodyPr wrap="none" rtlCol="0">
+            <a:spAutoFit/>
+          </a:bodyPr>
+          <a:lstStyle/>
+          <a:p>
+            <a:r>
+              <a:rPr lang="en-US" dirty="0" smtClean="0"/>
+              <a:t>1</a:t>
+            </a:r>
+            <a:endParaRPr lang="en-US" dirty="0"/>
+          </a:p>
+        </p:txBody>
+      </p:sp>
+      <p:sp>
+        <p:nvSpPr>
+          <p:cNvPr id="17" name="TextBox 16"/>
+          <p:cNvSpPr txBox="1"/>
+          <p:nvPr/>
+        </p:nvSpPr>
+        <p:spPr>
+          <a:xfrm>
+            <a:off x="7492180" y="825907"/>
+            <a:ext cx="301686" cy="369332"/>
+          </a:xfrm>
+          <a:prstGeom prst="rect">
+            <a:avLst/>
+          </a:prstGeom>
+          <a:noFill/>
+        </p:spPr>
+        <p:txBody>
+          <a:bodyPr wrap="none" rtlCol="0">
+            <a:spAutoFit/>
+          </a:bodyPr>
+          <a:lstStyle/>
+          <a:p>
+            <a:r>
+              <a:rPr lang="en-US" dirty="0" smtClean="0"/>
+              <a:t>2</a:t>
+            </a:r>
+            <a:endParaRPr lang="en-US" dirty="0"/>
+          </a:p>
+        </p:txBody>
+      </p:sp>
+      <p:sp>
+        <p:nvSpPr>
+          <p:cNvPr id="18" name="TextBox 17"/>
+          <p:cNvSpPr txBox="1"/>
+          <p:nvPr/>
+        </p:nvSpPr>
+        <p:spPr>
+          <a:xfrm>
+            <a:off x="10068232" y="825907"/>
+            <a:ext cx="301686" cy="369332"/>
+          </a:xfrm>
+          <a:prstGeom prst="rect">
+            <a:avLst/>
+          </a:prstGeom>
+          <a:noFill/>
+        </p:spPr>
+        <p:txBody>
+          <a:bodyPr wrap="none" rtlCol="0">
+            <a:spAutoFit/>
+          </a:bodyPr>
+          <a:lstStyle/>
+          <a:p>
+            <a:r>
+              <a:rPr lang="en-US" dirty="0" smtClean="0"/>
+              <a:t>3</a:t>
+            </a:r>
+            <a:endParaRPr lang="en-US" dirty="0"/>
+          </a:p>
+        </p:txBody>
+      </p:sp>
+      <p:sp>
+        <p:nvSpPr>
+          <p:cNvPr id="19" name="TextBox 18"/>
+          <p:cNvSpPr txBox="1"/>
+          <p:nvPr/>
+        </p:nvSpPr>
+        <p:spPr>
+          <a:xfrm>
+            <a:off x="7157884" y="2871019"/>
+            <a:ext cx="301686" cy="369332"/>
+          </a:xfrm>
+          <a:prstGeom prst="rect">
+            <a:avLst/>
+          </a:prstGeom>
+          <a:noFill/>
+        </p:spPr>
+        <p:txBody>
+          <a:bodyPr wrap="none" rtlCol="0">
+            <a:spAutoFit/>
+          </a:bodyPr>
+          <a:lstStyle/>
+          <a:p>
+            <a:r>
+              <a:rPr lang="en-US" dirty="0" smtClean="0"/>
+              <a:t>4</a:t>
+            </a:r>
+            <a:endParaRPr lang="en-US" dirty="0"/>
+          </a:p>
+        </p:txBody>
+      </p:sp>
+      <p:sp>
+        <p:nvSpPr>
+          <p:cNvPr id="20" name="TextBox 19"/>
+          <p:cNvSpPr txBox="1"/>
+          <p:nvPr/>
+        </p:nvSpPr>
+        <p:spPr>
+          <a:xfrm>
+            <a:off x="10019071" y="2861187"/>
+            <a:ext cx="301686" cy="369332"/>
+          </a:xfrm>
+          <a:prstGeom prst="rect">
+            <a:avLst/>
+          </a:prstGeom>
+          <a:noFill/>
+        </p:spPr>
+        <p:txBody>
+          <a:bodyPr wrap="none" rtlCol="0">
+            <a:spAutoFit/>
+          </a:bodyPr>
+          <a:lstStyle/>
+          <a:p>
+            <a:r>
+              <a:rPr lang="en-US" dirty="0" smtClean="0"/>
+              <a:t>5</a:t>
+            </a:r>
+            <a:endParaRPr lang="en-US" dirty="0"/>
+          </a:p>
+        </p:txBody>
+      </p:sp>
+      <p:pic>
+        <p:nvPicPr>
+          <p:cNvPr id="21" name="Picture 20"/>
+          <p:cNvPicPr>
+            <a:picLocks noChangeAspect="1"/>
+          </p:cNvPicPr>
+          <p:nvPr/>
+        </p:nvPicPr>
+        <p:blipFill>
+          <a:blip r:embed="rId8">
+            <a:extLst>
+              <a:ext uri="{28A0092B-C50C-407E-A947-70E740481C1C}">
+                <a14:useLocalDpi xmlns:a14="http://schemas.microsoft.com/office/drawing/2010/main" val="0"/>
+              </a:ext>
+            </a:extLst>
+          </a:blip>
+          <a:stretch>
+            <a:fillRect/>
+          </a:stretch>
+        </p:blipFill>
+        <p:spPr>
+          <a:xfrm>
+            <a:off x="730065" y="3891011"/>
+            <a:ext cx="3773109" cy="2627202"/>
+          </a:xfrm>
+          <a:prstGeom prst="rect">
+            <a:avLst/>
+          </a:prstGeom>
+        </p:spPr>
+      </p:pic>
+      <p:cxnSp>
+        <p:nvCxnSpPr>
+          <p:cNvPr id="23" name="Straight Arrow Connector 22"/>
+          <p:cNvCxnSpPr/>
+          <p:nvPr/>
+        </p:nvCxnSpPr>
+        <p:spPr>
+          <a:xfrm flipH="1">
+            <a:off x="4326193" y="5850194"/>
+            <a:ext cx="393290" cy="294967"/>
+          </a:xfrm>
+          <a:prstGeom prst="straightConnector1">
+            <a:avLst/>
+          </a:prstGeom>
+          <a:ln>
+            <a:tailEnd type="triangle"/>
+          </a:ln>
+        </p:spPr>
+        <p:style>
+          <a:lnRef idx="3">
+            <a:schemeClr val="dk1"/>
+          </a:lnRef>
+          <a:fillRef idx="0">
+            <a:schemeClr val="dk1"/>
+          </a:fillRef>
+          <a:effectRef idx="2">
+            <a:schemeClr val="dk1"/>
+          </a:effectRef>
+          <a:fontRef idx="minor">
+            <a:schemeClr val="tx1"/>
+          </a:fontRef>
+        </p:style>
+      </p:cxnSp>
+      <p:sp>
+        <p:nvSpPr>
+          <p:cNvPr id="24" name="TextBox 23"/>
+          <p:cNvSpPr txBox="1"/>
+          <p:nvPr/>
+        </p:nvSpPr>
+        <p:spPr>
+          <a:xfrm>
+            <a:off x="4575607" y="5518045"/>
+            <a:ext cx="1114408" cy="369332"/>
+          </a:xfrm>
+          <a:prstGeom prst="rect">
+            <a:avLst/>
+          </a:prstGeom>
+          <a:noFill/>
+        </p:spPr>
+        <p:txBody>
+          <a:bodyPr wrap="none" rtlCol="0">
+            <a:spAutoFit/>
+          </a:bodyPr>
+          <a:lstStyle/>
+          <a:p>
+            <a:r>
+              <a:rPr lang="en-US" dirty="0" smtClean="0"/>
+              <a:t>E = -763.7</a:t>
+            </a:r>
+            <a:endParaRPr lang="en-US" dirty="0"/>
+          </a:p>
+        </p:txBody>
+      </p:sp>
+      <p:sp>
+        <p:nvSpPr>
+          <p:cNvPr id="25" name="TextBox 24"/>
+          <p:cNvSpPr txBox="1"/>
+          <p:nvPr/>
+        </p:nvSpPr>
+        <p:spPr>
+          <a:xfrm>
+            <a:off x="4591101" y="6166971"/>
+            <a:ext cx="1375633" cy="369332"/>
+          </a:xfrm>
+          <a:prstGeom prst="rect">
+            <a:avLst/>
+          </a:prstGeom>
+          <a:noFill/>
+        </p:spPr>
+        <p:txBody>
+          <a:bodyPr wrap="none" rtlCol="0">
+            <a:spAutoFit/>
+          </a:bodyPr>
+          <a:lstStyle/>
+          <a:p>
+            <a:r>
+              <a:rPr lang="en-US" dirty="0" err="1" smtClean="0"/>
+              <a:t>Eref</a:t>
+            </a:r>
+            <a:r>
+              <a:rPr lang="en-US" dirty="0" smtClean="0"/>
+              <a:t> = -763.3</a:t>
+            </a:r>
+            <a:endParaRPr lang="en-US" dirty="0"/>
+          </a:p>
+        </p:txBody>
+      </p:sp>
+      <p:sp>
+        <p:nvSpPr>
+          <p:cNvPr id="26" name="TextBox 25"/>
+          <p:cNvSpPr txBox="1"/>
+          <p:nvPr/>
+        </p:nvSpPr>
+        <p:spPr>
+          <a:xfrm>
+            <a:off x="6116875" y="4913482"/>
+            <a:ext cx="6075125" cy="1754326"/>
+          </a:xfrm>
+          <a:prstGeom prst="rect">
+            <a:avLst/>
+          </a:prstGeom>
+          <a:noFill/>
+        </p:spPr>
+        <p:txBody>
+          <a:bodyPr wrap="none" rtlCol="0">
+            <a:spAutoFit/>
+          </a:bodyPr>
+          <a:lstStyle/>
+          <a:p>
+            <a:r>
+              <a:rPr lang="en-US" dirty="0" smtClean="0"/>
+              <a:t>These examples show the best structures from 5 runs.</a:t>
+            </a:r>
+            <a:br>
+              <a:rPr lang="en-US" dirty="0" smtClean="0"/>
+            </a:br>
+            <a:r>
+              <a:rPr lang="en-US" dirty="0" smtClean="0"/>
+              <a:t>There might be a correlation between the energy and the</a:t>
+            </a:r>
+            <a:br>
+              <a:rPr lang="en-US" dirty="0" smtClean="0"/>
+            </a:br>
+            <a:r>
+              <a:rPr lang="en-US" dirty="0" smtClean="0"/>
+              <a:t>change</a:t>
+            </a:r>
+            <a:r>
+              <a:rPr lang="en-US" dirty="0"/>
+              <a:t> </a:t>
+            </a:r>
+            <a:r>
+              <a:rPr lang="en-US" dirty="0" smtClean="0"/>
+              <a:t>in the position of the movable slab atoms. (these</a:t>
+            </a:r>
+          </a:p>
+          <a:p>
+            <a:r>
+              <a:rPr lang="en-US" dirty="0"/>
+              <a:t>d</a:t>
+            </a:r>
+            <a:r>
+              <a:rPr lang="en-US" dirty="0" smtClean="0"/>
+              <a:t>oes not take place in mutations, but only in model-relaxation)</a:t>
+            </a:r>
+          </a:p>
+          <a:p>
+            <a:endParaRPr lang="en-US" dirty="0"/>
+          </a:p>
+          <a:p>
+            <a:r>
+              <a:rPr lang="en-US" dirty="0" smtClean="0"/>
+              <a:t>=&gt; Maybe they should therefor also take part in mutations.</a:t>
+            </a:r>
+          </a:p>
+        </p:txBody>
+      </p:sp>
+    </p:spTree>
+    <p:extLst>
+      <p:ext uri="{BB962C8B-B14F-4D97-AF65-F5344CB8AC3E}">
+        <p14:creationId xmlns:p14="http://schemas.microsoft.com/office/powerpoint/2010/main" val="1991925753"/>
+      </p:ext>
+    </p:extLst>
+  </p:cSld>
+  <p:clrMapOvr>
+    <a:masterClrMapping/>
+  </p:clrMapOvr>
+</p:sld>
+</file>
+
+<file path=ppt/slides/slide21.xml><?xml version="1.0" encoding="utf-8"?>
+<p:sld xmlns:a="http://schemas.openxmlformats.org/drawingml/2006/main" xmlns:r="http://schemas.openxmlformats.org/officeDocument/2006/relationships" xmlns:p="http://schemas.openxmlformats.org/presentationml/2006/main">
+  <p:cSld>
+    <p:spTree>
+      <p:nvGrpSpPr>
+        <p:cNvPr id="1" name=""/>
+        <p:cNvGrpSpPr/>
+        <p:nvPr/>
+      </p:nvGrpSpPr>
+      <p:grpSpPr>
+        <a:xfrm>
+          <a:off x="0" y="0"/>
+          <a:ext cx="0" cy="0"/>
+          <a:chOff x="0" y="0"/>
+          <a:chExt cx="0" cy="0"/>
+        </a:xfrm>
+      </p:grpSpPr>
+      <p:sp>
+        <p:nvSpPr>
+          <p:cNvPr id="2" name="Title 1"/>
+          <p:cNvSpPr>
+            <a:spLocks noGrp="1"/>
+          </p:cNvSpPr>
+          <p:nvPr>
+            <p:ph type="title"/>
+          </p:nvPr>
+        </p:nvSpPr>
+        <p:spPr/>
+        <p:txBody>
+          <a:bodyPr/>
+          <a:lstStyle/>
+          <a:p>
+            <a:r>
+              <a:rPr lang="en-US" dirty="0" smtClean="0"/>
+              <a:t>Iterative GPR test</a:t>
+            </a:r>
+            <a:endParaRPr lang="en-US" dirty="0"/>
+          </a:p>
+        </p:txBody>
+      </p:sp>
+      <p:pic>
+        <p:nvPicPr>
+          <p:cNvPr id="5" name="Picture 4"/>
+          <p:cNvPicPr>
+            <a:picLocks noChangeAspect="1"/>
+          </p:cNvPicPr>
+          <p:nvPr/>
+        </p:nvPicPr>
+        <p:blipFill>
+          <a:blip r:embed="rId2">
+            <a:extLst>
+              <a:ext uri="{28A0092B-C50C-407E-A947-70E740481C1C}">
+                <a14:useLocalDpi xmlns:a14="http://schemas.microsoft.com/office/drawing/2010/main" val="0"/>
+              </a:ext>
+            </a:extLst>
+          </a:blip>
+          <a:stretch>
+            <a:fillRect/>
+          </a:stretch>
+        </p:blipFill>
+        <p:spPr>
+          <a:xfrm>
+            <a:off x="1" y="2221860"/>
+            <a:ext cx="4323374" cy="3244875"/>
+          </a:xfrm>
+          <a:prstGeom prst="rect">
+            <a:avLst/>
+          </a:prstGeom>
+        </p:spPr>
+      </p:pic>
+      <p:pic>
+        <p:nvPicPr>
+          <p:cNvPr id="8" name="Picture 7"/>
+          <p:cNvPicPr>
+            <a:picLocks noChangeAspect="1"/>
+          </p:cNvPicPr>
+          <p:nvPr/>
+        </p:nvPicPr>
+        <p:blipFill>
+          <a:blip r:embed="rId3">
+            <a:extLst>
+              <a:ext uri="{28A0092B-C50C-407E-A947-70E740481C1C}">
+                <a14:useLocalDpi xmlns:a14="http://schemas.microsoft.com/office/drawing/2010/main" val="0"/>
+              </a:ext>
+            </a:extLst>
+          </a:blip>
+          <a:stretch>
+            <a:fillRect/>
+          </a:stretch>
+        </p:blipFill>
+        <p:spPr>
+          <a:xfrm>
+            <a:off x="3968544" y="2221860"/>
+            <a:ext cx="4323374" cy="3244875"/>
+          </a:xfrm>
+          <a:prstGeom prst="rect">
+            <a:avLst/>
+          </a:prstGeom>
+        </p:spPr>
+      </p:pic>
+      <p:pic>
+        <p:nvPicPr>
+          <p:cNvPr id="10" name="Picture 9"/>
+          <p:cNvPicPr>
+            <a:picLocks noChangeAspect="1"/>
+          </p:cNvPicPr>
+          <p:nvPr/>
+        </p:nvPicPr>
+        <p:blipFill>
+          <a:blip r:embed="rId4">
+            <a:extLst>
+              <a:ext uri="{28A0092B-C50C-407E-A947-70E740481C1C}">
+                <a14:useLocalDpi xmlns:a14="http://schemas.microsoft.com/office/drawing/2010/main" val="0"/>
+              </a:ext>
+            </a:extLst>
+          </a:blip>
+          <a:stretch>
+            <a:fillRect/>
+          </a:stretch>
+        </p:blipFill>
+        <p:spPr>
+          <a:xfrm>
+            <a:off x="7937497" y="2221860"/>
+            <a:ext cx="4323375" cy="3244875"/>
+          </a:xfrm>
+          <a:prstGeom prst="rect">
+            <a:avLst/>
+          </a:prstGeom>
+        </p:spPr>
+      </p:pic>
+    </p:spTree>
+    <p:extLst>
+      <p:ext uri="{BB962C8B-B14F-4D97-AF65-F5344CB8AC3E}">
+        <p14:creationId xmlns:p14="http://schemas.microsoft.com/office/powerpoint/2010/main" val="1876833348"/>
+      </p:ext>
+    </p:extLst>
+  </p:cSld>
+  <p:clrMapOvr>
+    <a:masterClrMapping/>
+  </p:clrMapOvr>
+</p:sld>
+</file>
+
+<file path=ppt/slides/slide22.xml><?xml version="1.0" encoding="utf-8"?>
+<p:sld xmlns:a="http://schemas.openxmlformats.org/drawingml/2006/main" xmlns:r="http://schemas.openxmlformats.org/officeDocument/2006/relationships" xmlns:p="http://schemas.openxmlformats.org/presentationml/2006/main">
+  <p:cSld>
+    <p:spTree>
+      <p:nvGrpSpPr>
+        <p:cNvPr id="1" name=""/>
+        <p:cNvGrpSpPr/>
+        <p:nvPr/>
+      </p:nvGrpSpPr>
+      <p:grpSpPr>
+        <a:xfrm>
+          <a:off x="0" y="0"/>
+          <a:ext cx="0" cy="0"/>
+          <a:chOff x="0" y="0"/>
+          <a:chExt cx="0" cy="0"/>
+        </a:xfrm>
+      </p:grpSpPr>
+      <p:sp>
+        <p:nvSpPr>
+          <p:cNvPr id="2" name="Title 1"/>
+          <p:cNvSpPr>
+            <a:spLocks noGrp="1"/>
+          </p:cNvSpPr>
+          <p:nvPr>
+            <p:ph type="title"/>
+          </p:nvPr>
+        </p:nvSpPr>
+        <p:spPr/>
+        <p:txBody>
+          <a:bodyPr/>
+          <a:lstStyle/>
+          <a:p>
+            <a:r>
+              <a:rPr lang="en-US" dirty="0" smtClean="0"/>
+              <a:t>Iterative GPR test </a:t>
+            </a:r>
+            <a:r>
+              <a:rPr lang="mr-IN" dirty="0" smtClean="0"/>
+              <a:t>–</a:t>
+            </a:r>
+            <a:r>
+              <a:rPr lang="en-US" dirty="0" smtClean="0"/>
+              <a:t> predict overall best</a:t>
+            </a:r>
+            <a:endParaRPr lang="en-US" dirty="0"/>
+          </a:p>
+        </p:txBody>
+      </p:sp>
+      <p:pic>
+        <p:nvPicPr>
+          <p:cNvPr id="3" name="Picture 2"/>
+          <p:cNvPicPr>
+            <a:picLocks noChangeAspect="1"/>
+          </p:cNvPicPr>
+          <p:nvPr/>
+        </p:nvPicPr>
+        <p:blipFill>
+          <a:blip r:embed="rId2">
+            <a:extLst>
+              <a:ext uri="{28A0092B-C50C-407E-A947-70E740481C1C}">
+                <a14:useLocalDpi xmlns:a14="http://schemas.microsoft.com/office/drawing/2010/main" val="0"/>
+              </a:ext>
+            </a:extLst>
+          </a:blip>
+          <a:stretch>
+            <a:fillRect/>
+          </a:stretch>
+        </p:blipFill>
+        <p:spPr>
+          <a:xfrm>
+            <a:off x="0" y="2300747"/>
+            <a:ext cx="4181695" cy="3138539"/>
+          </a:xfrm>
+          <a:prstGeom prst="rect">
+            <a:avLst/>
+          </a:prstGeom>
+        </p:spPr>
+      </p:pic>
+      <p:pic>
+        <p:nvPicPr>
+          <p:cNvPr id="4" name="Picture 3"/>
+          <p:cNvPicPr>
+            <a:picLocks noChangeAspect="1"/>
+          </p:cNvPicPr>
+          <p:nvPr/>
+        </p:nvPicPr>
+        <p:blipFill>
+          <a:blip r:embed="rId3">
+            <a:extLst>
+              <a:ext uri="{28A0092B-C50C-407E-A947-70E740481C1C}">
+                <a14:useLocalDpi xmlns:a14="http://schemas.microsoft.com/office/drawing/2010/main" val="0"/>
+              </a:ext>
+            </a:extLst>
+          </a:blip>
+          <a:stretch>
+            <a:fillRect/>
+          </a:stretch>
+        </p:blipFill>
+        <p:spPr>
+          <a:xfrm>
+            <a:off x="3978377" y="2300747"/>
+            <a:ext cx="4181695" cy="3138539"/>
+          </a:xfrm>
+          <a:prstGeom prst="rect">
+            <a:avLst/>
+          </a:prstGeom>
+        </p:spPr>
+      </p:pic>
+      <p:pic>
+        <p:nvPicPr>
+          <p:cNvPr id="7" name="Picture 6"/>
+          <p:cNvPicPr>
+            <a:picLocks noChangeAspect="1"/>
+          </p:cNvPicPr>
+          <p:nvPr/>
+        </p:nvPicPr>
+        <p:blipFill>
+          <a:blip r:embed="rId4">
+            <a:extLst>
+              <a:ext uri="{28A0092B-C50C-407E-A947-70E740481C1C}">
+                <a14:useLocalDpi xmlns:a14="http://schemas.microsoft.com/office/drawing/2010/main" val="0"/>
+              </a:ext>
+            </a:extLst>
+          </a:blip>
+          <a:stretch>
+            <a:fillRect/>
+          </a:stretch>
+        </p:blipFill>
+        <p:spPr>
+          <a:xfrm>
+            <a:off x="7980109" y="2300747"/>
+            <a:ext cx="4181695" cy="3138539"/>
+          </a:xfrm>
+          <a:prstGeom prst="rect">
+            <a:avLst/>
+          </a:prstGeom>
+        </p:spPr>
+      </p:pic>
+    </p:spTree>
+    <p:extLst>
+      <p:ext uri="{BB962C8B-B14F-4D97-AF65-F5344CB8AC3E}">
+        <p14:creationId xmlns:p14="http://schemas.microsoft.com/office/powerpoint/2010/main" val="1402966988"/>
+      </p:ext>
+    </p:extLst>
+  </p:cSld>
+  <p:clrMapOvr>
+    <a:masterClrMapping/>
+  </p:clrMapOvr>
+</p:sld>
+</file>
+
+<file path=ppt/slides/slide23.xml><?xml version="1.0" encoding="utf-8"?>
+<p:sld xmlns:a="http://schemas.openxmlformats.org/drawingml/2006/main" xmlns:r="http://schemas.openxmlformats.org/officeDocument/2006/relationships" xmlns:p="http://schemas.openxmlformats.org/presentationml/2006/main">
+  <p:cSld>
+    <p:spTree>
+      <p:nvGrpSpPr>
+        <p:cNvPr id="1" name=""/>
+        <p:cNvGrpSpPr/>
+        <p:nvPr/>
+      </p:nvGrpSpPr>
+      <p:grpSpPr>
+        <a:xfrm>
+          <a:off x="0" y="0"/>
+          <a:ext cx="0" cy="0"/>
+          <a:chOff x="0" y="0"/>
+          <a:chExt cx="0" cy="0"/>
+        </a:xfrm>
+      </p:grpSpPr>
+      <p:sp>
+        <p:nvSpPr>
+          <p:cNvPr id="2" name="Title 1"/>
+          <p:cNvSpPr>
+            <a:spLocks noGrp="1"/>
+          </p:cNvSpPr>
+          <p:nvPr>
+            <p:ph type="title"/>
+          </p:nvPr>
+        </p:nvSpPr>
+        <p:spPr>
+          <a:xfrm>
+            <a:off x="838200" y="148816"/>
+            <a:ext cx="5375787" cy="1325563"/>
+          </a:xfrm>
+        </p:spPr>
+        <p:txBody>
+          <a:bodyPr/>
+          <a:lstStyle/>
+          <a:p>
+            <a:r>
+              <a:rPr lang="en-US" dirty="0" smtClean="0"/>
+              <a:t>Iterative GPR </a:t>
+            </a:r>
+            <a:r>
+              <a:rPr lang="en-US" smtClean="0"/>
+              <a:t>test </a:t>
+            </a:r>
+            <a:br>
+              <a:rPr lang="en-US" smtClean="0"/>
+            </a:br>
+            <a:r>
+              <a:rPr lang="mr-IN" dirty="0" smtClean="0"/>
+              <a:t>–</a:t>
+            </a:r>
+            <a:r>
+              <a:rPr lang="en-US" dirty="0" smtClean="0"/>
+              <a:t> predict best in run</a:t>
+            </a:r>
+            <a:endParaRPr lang="en-US" dirty="0"/>
+          </a:p>
+        </p:txBody>
+      </p:sp>
+      <p:pic>
+        <p:nvPicPr>
+          <p:cNvPr id="3" name="Picture 2"/>
+          <p:cNvPicPr>
+            <a:picLocks noChangeAspect="1"/>
+          </p:cNvPicPr>
+          <p:nvPr/>
+        </p:nvPicPr>
+        <p:blipFill>
+          <a:blip r:embed="rId2">
+            <a:extLst>
+              <a:ext uri="{28A0092B-C50C-407E-A947-70E740481C1C}">
+                <a14:useLocalDpi xmlns:a14="http://schemas.microsoft.com/office/drawing/2010/main" val="0"/>
+              </a:ext>
+            </a:extLst>
+          </a:blip>
+          <a:stretch>
+            <a:fillRect/>
+          </a:stretch>
+        </p:blipFill>
+        <p:spPr>
+          <a:xfrm>
+            <a:off x="0" y="3532941"/>
+            <a:ext cx="4181695" cy="3138538"/>
+          </a:xfrm>
+          <a:prstGeom prst="rect">
+            <a:avLst/>
+          </a:prstGeom>
+        </p:spPr>
+      </p:pic>
+      <p:pic>
+        <p:nvPicPr>
+          <p:cNvPr id="4" name="Picture 3"/>
+          <p:cNvPicPr>
+            <a:picLocks noChangeAspect="1"/>
+          </p:cNvPicPr>
+          <p:nvPr/>
+        </p:nvPicPr>
+        <p:blipFill>
+          <a:blip r:embed="rId3">
+            <a:extLst>
+              <a:ext uri="{28A0092B-C50C-407E-A947-70E740481C1C}">
+                <a14:useLocalDpi xmlns:a14="http://schemas.microsoft.com/office/drawing/2010/main" val="0"/>
+              </a:ext>
+            </a:extLst>
+          </a:blip>
+          <a:stretch>
+            <a:fillRect/>
+          </a:stretch>
+        </p:blipFill>
+        <p:spPr>
+          <a:xfrm>
+            <a:off x="3978377" y="3532941"/>
+            <a:ext cx="4181695" cy="3138538"/>
+          </a:xfrm>
+          <a:prstGeom prst="rect">
+            <a:avLst/>
+          </a:prstGeom>
+        </p:spPr>
+      </p:pic>
+      <p:sp>
+        <p:nvSpPr>
+          <p:cNvPr id="5" name="TextBox 4"/>
+          <p:cNvSpPr txBox="1"/>
+          <p:nvPr/>
+        </p:nvSpPr>
+        <p:spPr>
+          <a:xfrm>
+            <a:off x="838200" y="2673913"/>
+            <a:ext cx="1244443" cy="369332"/>
+          </a:xfrm>
+          <a:prstGeom prst="rect">
+            <a:avLst/>
+          </a:prstGeom>
+          <a:noFill/>
+        </p:spPr>
+        <p:txBody>
+          <a:bodyPr wrap="none" rtlCol="0">
+            <a:spAutoFit/>
+          </a:bodyPr>
+          <a:lstStyle/>
+          <a:p>
+            <a:r>
+              <a:rPr lang="en-US" dirty="0" smtClean="0"/>
+              <a:t>reg1 = 1e-5</a:t>
+            </a:r>
+            <a:endParaRPr lang="en-US" dirty="0"/>
+          </a:p>
+        </p:txBody>
+      </p:sp>
+      <p:sp>
+        <p:nvSpPr>
+          <p:cNvPr id="6" name="TextBox 5"/>
+          <p:cNvSpPr txBox="1"/>
+          <p:nvPr/>
+        </p:nvSpPr>
+        <p:spPr>
+          <a:xfrm>
+            <a:off x="1543665" y="3405123"/>
+            <a:ext cx="1186543" cy="369332"/>
+          </a:xfrm>
+          <a:prstGeom prst="rect">
+            <a:avLst/>
+          </a:prstGeom>
+          <a:noFill/>
+        </p:spPr>
+        <p:txBody>
+          <a:bodyPr wrap="none" rtlCol="0">
+            <a:spAutoFit/>
+          </a:bodyPr>
+          <a:lstStyle/>
+          <a:p>
+            <a:r>
+              <a:rPr lang="en-US" dirty="0"/>
+              <a:t>s</a:t>
+            </a:r>
+            <a:r>
+              <a:rPr lang="en-US" dirty="0" smtClean="0"/>
+              <a:t>igma2 = 3</a:t>
+            </a:r>
+            <a:endParaRPr lang="en-US" dirty="0"/>
+          </a:p>
+        </p:txBody>
+      </p:sp>
+      <p:sp>
+        <p:nvSpPr>
+          <p:cNvPr id="8" name="TextBox 7"/>
+          <p:cNvSpPr txBox="1"/>
+          <p:nvPr/>
+        </p:nvSpPr>
+        <p:spPr>
+          <a:xfrm>
+            <a:off x="5496232" y="3395291"/>
+            <a:ext cx="1186543" cy="369332"/>
+          </a:xfrm>
+          <a:prstGeom prst="rect">
+            <a:avLst/>
+          </a:prstGeom>
+          <a:noFill/>
+        </p:spPr>
+        <p:txBody>
+          <a:bodyPr wrap="none" rtlCol="0">
+            <a:spAutoFit/>
+          </a:bodyPr>
+          <a:lstStyle/>
+          <a:p>
+            <a:r>
+              <a:rPr lang="en-US" dirty="0"/>
+              <a:t>s</a:t>
+            </a:r>
+            <a:r>
+              <a:rPr lang="en-US" dirty="0" smtClean="0"/>
+              <a:t>igma2 = 1</a:t>
+            </a:r>
+            <a:endParaRPr lang="en-US" dirty="0"/>
+          </a:p>
+        </p:txBody>
+      </p:sp>
+      <p:pic>
+        <p:nvPicPr>
+          <p:cNvPr id="10" name="Picture 9"/>
+          <p:cNvPicPr>
+            <a:picLocks noChangeAspect="1"/>
+          </p:cNvPicPr>
+          <p:nvPr/>
+        </p:nvPicPr>
+        <p:blipFill>
+          <a:blip r:embed="rId4">
+            <a:extLst>
+              <a:ext uri="{28A0092B-C50C-407E-A947-70E740481C1C}">
+                <a14:useLocalDpi xmlns:a14="http://schemas.microsoft.com/office/drawing/2010/main" val="0"/>
+              </a:ext>
+            </a:extLst>
+          </a:blip>
+          <a:stretch>
+            <a:fillRect/>
+          </a:stretch>
+        </p:blipFill>
+        <p:spPr>
+          <a:xfrm>
+            <a:off x="7979872" y="3532941"/>
+            <a:ext cx="4181693" cy="3138538"/>
+          </a:xfrm>
+          <a:prstGeom prst="rect">
+            <a:avLst/>
+          </a:prstGeom>
+        </p:spPr>
+      </p:pic>
+      <p:sp>
+        <p:nvSpPr>
+          <p:cNvPr id="11" name="TextBox 10"/>
+          <p:cNvSpPr txBox="1"/>
+          <p:nvPr/>
+        </p:nvSpPr>
+        <p:spPr>
+          <a:xfrm>
+            <a:off x="9273064" y="3395291"/>
+            <a:ext cx="1478290" cy="369332"/>
+          </a:xfrm>
+          <a:prstGeom prst="rect">
+            <a:avLst/>
+          </a:prstGeom>
+          <a:noFill/>
+        </p:spPr>
+        <p:txBody>
+          <a:bodyPr wrap="none" rtlCol="0">
+            <a:spAutoFit/>
+          </a:bodyPr>
+          <a:lstStyle/>
+          <a:p>
+            <a:r>
+              <a:rPr lang="en-US" dirty="0" smtClean="0"/>
+              <a:t>sigma2 = 0.01</a:t>
+            </a:r>
+          </a:p>
+        </p:txBody>
+      </p:sp>
+      <p:pic>
+        <p:nvPicPr>
+          <p:cNvPr id="12" name="Picture 11"/>
+          <p:cNvPicPr>
+            <a:picLocks noChangeAspect="1"/>
+          </p:cNvPicPr>
+          <p:nvPr/>
+        </p:nvPicPr>
+        <p:blipFill>
+          <a:blip r:embed="rId5">
+            <a:extLst>
+              <a:ext uri="{28A0092B-C50C-407E-A947-70E740481C1C}">
+                <a14:useLocalDpi xmlns:a14="http://schemas.microsoft.com/office/drawing/2010/main" val="0"/>
+              </a:ext>
+            </a:extLst>
+          </a:blip>
+          <a:stretch>
+            <a:fillRect/>
+          </a:stretch>
+        </p:blipFill>
+        <p:spPr>
+          <a:xfrm>
+            <a:off x="6610678" y="99195"/>
+            <a:ext cx="4391620" cy="3296096"/>
+          </a:xfrm>
+          <a:prstGeom prst="rect">
+            <a:avLst/>
+          </a:prstGeom>
+        </p:spPr>
+      </p:pic>
+    </p:spTree>
+    <p:extLst>
+      <p:ext uri="{BB962C8B-B14F-4D97-AF65-F5344CB8AC3E}">
+        <p14:creationId xmlns:p14="http://schemas.microsoft.com/office/powerpoint/2010/main" val="571909258"/>
+      </p:ext>
+    </p:extLst>
+  </p:cSld>
+  <p:clrMapOvr>
+    <a:masterClrMapping/>
+  </p:clrMapOvr>
+</p:sld>
+</file>
+
+<file path=ppt/slides/slide24.xml><?xml version="1.0" encoding="utf-8"?>
+<p:sld xmlns:a="http://schemas.openxmlformats.org/drawingml/2006/main" xmlns:r="http://schemas.openxmlformats.org/officeDocument/2006/relationships" xmlns:p="http://schemas.openxmlformats.org/presentationml/2006/main">
+  <p:cSld>
+    <p:spTree>
+      <p:nvGrpSpPr>
+        <p:cNvPr id="1" name=""/>
+        <p:cNvGrpSpPr/>
+        <p:nvPr/>
+      </p:nvGrpSpPr>
+      <p:grpSpPr>
+        <a:xfrm>
+          <a:off x="0" y="0"/>
+          <a:ext cx="0" cy="0"/>
+          <a:chOff x="0" y="0"/>
+          <a:chExt cx="0" cy="0"/>
+        </a:xfrm>
+      </p:grpSpPr>
+      <p:sp>
+        <p:nvSpPr>
+          <p:cNvPr id="2" name="Title 1"/>
+          <p:cNvSpPr>
+            <a:spLocks noGrp="1"/>
+          </p:cNvSpPr>
+          <p:nvPr>
+            <p:ph type="title"/>
+          </p:nvPr>
+        </p:nvSpPr>
+        <p:spPr/>
+        <p:txBody>
+          <a:bodyPr/>
+          <a:lstStyle/>
+          <a:p>
+            <a:r>
+              <a:rPr lang="en-US" dirty="0" smtClean="0"/>
+              <a:t>Iterative GPR test </a:t>
+            </a:r>
+            <a:r>
+              <a:rPr lang="mr-IN" dirty="0" smtClean="0"/>
+              <a:t>–</a:t>
+            </a:r>
+            <a:r>
+              <a:rPr lang="en-US" dirty="0" smtClean="0"/>
+              <a:t> predict best in run</a:t>
+            </a:r>
+            <a:endParaRPr lang="en-US" dirty="0"/>
+          </a:p>
+        </p:txBody>
+      </p:sp>
+      <p:pic>
+        <p:nvPicPr>
+          <p:cNvPr id="3" name="Picture 2"/>
+          <p:cNvPicPr>
+            <a:picLocks noChangeAspect="1"/>
+          </p:cNvPicPr>
+          <p:nvPr/>
+        </p:nvPicPr>
+        <p:blipFill>
+          <a:blip r:embed="rId2">
+            <a:extLst>
+              <a:ext uri="{28A0092B-C50C-407E-A947-70E740481C1C}">
+                <a14:useLocalDpi xmlns:a14="http://schemas.microsoft.com/office/drawing/2010/main" val="0"/>
+              </a:ext>
+            </a:extLst>
+          </a:blip>
+          <a:stretch>
+            <a:fillRect/>
+          </a:stretch>
+        </p:blipFill>
+        <p:spPr>
+          <a:xfrm>
+            <a:off x="0" y="2300747"/>
+            <a:ext cx="4181695" cy="3138538"/>
+          </a:xfrm>
+          <a:prstGeom prst="rect">
+            <a:avLst/>
+          </a:prstGeom>
+        </p:spPr>
+      </p:pic>
+      <p:pic>
+        <p:nvPicPr>
+          <p:cNvPr id="4" name="Picture 3"/>
+          <p:cNvPicPr>
+            <a:picLocks noChangeAspect="1"/>
+          </p:cNvPicPr>
+          <p:nvPr/>
+        </p:nvPicPr>
+        <p:blipFill>
+          <a:blip r:embed="rId3">
+            <a:extLst>
+              <a:ext uri="{28A0092B-C50C-407E-A947-70E740481C1C}">
+                <a14:useLocalDpi xmlns:a14="http://schemas.microsoft.com/office/drawing/2010/main" val="0"/>
+              </a:ext>
+            </a:extLst>
+          </a:blip>
+          <a:stretch>
+            <a:fillRect/>
+          </a:stretch>
+        </p:blipFill>
+        <p:spPr>
+          <a:xfrm>
+            <a:off x="3978378" y="2300747"/>
+            <a:ext cx="4181693" cy="3138538"/>
+          </a:xfrm>
+          <a:prstGeom prst="rect">
+            <a:avLst/>
+          </a:prstGeom>
+        </p:spPr>
+      </p:pic>
+      <p:sp>
+        <p:nvSpPr>
+          <p:cNvPr id="5" name="TextBox 4"/>
+          <p:cNvSpPr txBox="1"/>
+          <p:nvPr/>
+        </p:nvSpPr>
+        <p:spPr>
+          <a:xfrm>
+            <a:off x="1525195" y="2180384"/>
+            <a:ext cx="1244443" cy="369332"/>
+          </a:xfrm>
+          <a:prstGeom prst="rect">
+            <a:avLst/>
+          </a:prstGeom>
+          <a:noFill/>
+        </p:spPr>
+        <p:txBody>
+          <a:bodyPr wrap="none" rtlCol="0">
+            <a:spAutoFit/>
+          </a:bodyPr>
+          <a:lstStyle/>
+          <a:p>
+            <a:r>
+              <a:rPr lang="en-US" dirty="0"/>
+              <a:t>r</a:t>
+            </a:r>
+            <a:r>
+              <a:rPr lang="en-US" dirty="0" smtClean="0"/>
+              <a:t>eg1 = 1e-5</a:t>
+            </a:r>
+            <a:endParaRPr lang="en-US" dirty="0"/>
+          </a:p>
+        </p:txBody>
+      </p:sp>
+      <p:sp>
+        <p:nvSpPr>
+          <p:cNvPr id="6" name="TextBox 5"/>
+          <p:cNvSpPr txBox="1"/>
+          <p:nvPr/>
+        </p:nvSpPr>
+        <p:spPr>
+          <a:xfrm>
+            <a:off x="838200" y="1441719"/>
+            <a:ext cx="1186543" cy="369332"/>
+          </a:xfrm>
+          <a:prstGeom prst="rect">
+            <a:avLst/>
+          </a:prstGeom>
+          <a:noFill/>
+        </p:spPr>
+        <p:txBody>
+          <a:bodyPr wrap="none" rtlCol="0">
+            <a:spAutoFit/>
+          </a:bodyPr>
+          <a:lstStyle/>
+          <a:p>
+            <a:r>
+              <a:rPr lang="en-US" dirty="0"/>
+              <a:t>s</a:t>
+            </a:r>
+            <a:r>
+              <a:rPr lang="en-US" dirty="0" smtClean="0"/>
+              <a:t>igma2 = 3</a:t>
+            </a:r>
+            <a:endParaRPr lang="en-US" dirty="0"/>
+          </a:p>
+        </p:txBody>
+      </p:sp>
+      <p:sp>
+        <p:nvSpPr>
+          <p:cNvPr id="8" name="TextBox 7"/>
+          <p:cNvSpPr txBox="1"/>
+          <p:nvPr/>
+        </p:nvSpPr>
+        <p:spPr>
+          <a:xfrm>
+            <a:off x="5496232" y="2163097"/>
+            <a:ext cx="1244443" cy="369332"/>
+          </a:xfrm>
+          <a:prstGeom prst="rect">
+            <a:avLst/>
+          </a:prstGeom>
+          <a:noFill/>
+        </p:spPr>
+        <p:txBody>
+          <a:bodyPr wrap="none" rtlCol="0">
+            <a:spAutoFit/>
+          </a:bodyPr>
+          <a:lstStyle/>
+          <a:p>
+            <a:r>
+              <a:rPr lang="en-US" dirty="0" smtClean="0"/>
+              <a:t>reg1 = 1e-4</a:t>
+            </a:r>
+            <a:endParaRPr lang="en-US" dirty="0"/>
+          </a:p>
+        </p:txBody>
+      </p:sp>
+      <p:pic>
+        <p:nvPicPr>
+          <p:cNvPr id="7" name="Picture 6"/>
+          <p:cNvPicPr>
+            <a:picLocks noChangeAspect="1"/>
+          </p:cNvPicPr>
+          <p:nvPr/>
+        </p:nvPicPr>
+        <p:blipFill>
+          <a:blip r:embed="rId4">
+            <a:extLst>
+              <a:ext uri="{28A0092B-C50C-407E-A947-70E740481C1C}">
+                <a14:useLocalDpi xmlns:a14="http://schemas.microsoft.com/office/drawing/2010/main" val="0"/>
+              </a:ext>
+            </a:extLst>
+          </a:blip>
+          <a:stretch>
+            <a:fillRect/>
+          </a:stretch>
+        </p:blipFill>
+        <p:spPr>
+          <a:xfrm>
+            <a:off x="7973264" y="2300747"/>
+            <a:ext cx="4181694" cy="3138538"/>
+          </a:xfrm>
+          <a:prstGeom prst="rect">
+            <a:avLst/>
+          </a:prstGeom>
+        </p:spPr>
+      </p:pic>
+      <p:sp>
+        <p:nvSpPr>
+          <p:cNvPr id="10" name="TextBox 9"/>
+          <p:cNvSpPr txBox="1"/>
+          <p:nvPr/>
+        </p:nvSpPr>
+        <p:spPr>
+          <a:xfrm>
+            <a:off x="9579469" y="2163097"/>
+            <a:ext cx="1244443" cy="369332"/>
+          </a:xfrm>
+          <a:prstGeom prst="rect">
+            <a:avLst/>
+          </a:prstGeom>
+          <a:noFill/>
+        </p:spPr>
+        <p:txBody>
+          <a:bodyPr wrap="none" rtlCol="0">
+            <a:spAutoFit/>
+          </a:bodyPr>
+          <a:lstStyle/>
+          <a:p>
+            <a:r>
+              <a:rPr lang="en-US" smtClean="0"/>
+              <a:t>reg1 = 3e-4</a:t>
+            </a:r>
+          </a:p>
+        </p:txBody>
+      </p:sp>
+    </p:spTree>
+    <p:extLst>
+      <p:ext uri="{BB962C8B-B14F-4D97-AF65-F5344CB8AC3E}">
+        <p14:creationId xmlns:p14="http://schemas.microsoft.com/office/powerpoint/2010/main" val="1145060957"/>
+      </p:ext>
+    </p:extLst>
+  </p:cSld>
+  <p:clrMapOvr>
+    <a:masterClrMapping/>
+  </p:clrMapOvr>
+</p:sld>
+</file>
+
+<file path=ppt/slides/slide25.xml><?xml version="1.0" encoding="utf-8"?>
+<p:sld xmlns:a="http://schemas.openxmlformats.org/drawingml/2006/main" xmlns:r="http://schemas.openxmlformats.org/officeDocument/2006/relationships" xmlns:p="http://schemas.openxmlformats.org/presentationml/2006/main">
+  <p:cSld>
+    <p:spTree>
+      <p:nvGrpSpPr>
+        <p:cNvPr id="1" name=""/>
+        <p:cNvGrpSpPr/>
+        <p:nvPr/>
+      </p:nvGrpSpPr>
+      <p:grpSpPr>
+        <a:xfrm>
+          <a:off x="0" y="0"/>
+          <a:ext cx="0" cy="0"/>
+          <a:chOff x="0" y="0"/>
+          <a:chExt cx="0" cy="0"/>
+        </a:xfrm>
+      </p:grpSpPr>
+      <p:sp>
+        <p:nvSpPr>
+          <p:cNvPr id="2" name="Title 1"/>
+          <p:cNvSpPr>
+            <a:spLocks noGrp="1"/>
+          </p:cNvSpPr>
+          <p:nvPr>
+            <p:ph type="title"/>
+          </p:nvPr>
+        </p:nvSpPr>
+        <p:spPr/>
+        <p:txBody>
+          <a:bodyPr/>
+          <a:lstStyle/>
+          <a:p>
+            <a:r>
+              <a:rPr lang="en-US" dirty="0" smtClean="0"/>
+              <a:t>Iterative GPR test </a:t>
+            </a:r>
+            <a:r>
+              <a:rPr lang="mr-IN" dirty="0" smtClean="0"/>
+              <a:t>–</a:t>
+            </a:r>
+            <a:r>
+              <a:rPr lang="en-US" dirty="0" smtClean="0"/>
+              <a:t> predict best in run</a:t>
+            </a:r>
+            <a:endParaRPr lang="en-US" dirty="0"/>
+          </a:p>
+        </p:txBody>
+      </p:sp>
+      <p:sp>
+        <p:nvSpPr>
+          <p:cNvPr id="6" name="TextBox 5"/>
+          <p:cNvSpPr txBox="1"/>
+          <p:nvPr/>
+        </p:nvSpPr>
+        <p:spPr>
+          <a:xfrm>
+            <a:off x="2107059" y="1560658"/>
+            <a:ext cx="1186543" cy="369332"/>
+          </a:xfrm>
+          <a:prstGeom prst="rect">
+            <a:avLst/>
+          </a:prstGeom>
+          <a:noFill/>
+        </p:spPr>
+        <p:txBody>
+          <a:bodyPr wrap="none" rtlCol="0">
+            <a:spAutoFit/>
+          </a:bodyPr>
+          <a:lstStyle/>
+          <a:p>
+            <a:r>
+              <a:rPr lang="en-US" dirty="0"/>
+              <a:t>s</a:t>
+            </a:r>
+            <a:r>
+              <a:rPr lang="en-US" dirty="0" smtClean="0"/>
+              <a:t>igma2 </a:t>
+            </a:r>
+            <a:r>
+              <a:rPr lang="en-US" smtClean="0"/>
+              <a:t>= 1</a:t>
+            </a:r>
+            <a:endParaRPr lang="en-US" dirty="0"/>
+          </a:p>
+        </p:txBody>
+      </p:sp>
+      <p:pic>
+        <p:nvPicPr>
+          <p:cNvPr id="9" name="Picture 8"/>
+          <p:cNvPicPr>
+            <a:picLocks noChangeAspect="1"/>
+          </p:cNvPicPr>
+          <p:nvPr/>
+        </p:nvPicPr>
+        <p:blipFill>
+          <a:blip r:embed="rId2">
+            <a:extLst>
+              <a:ext uri="{28A0092B-C50C-407E-A947-70E740481C1C}">
+                <a14:useLocalDpi xmlns:a14="http://schemas.microsoft.com/office/drawing/2010/main" val="0"/>
+              </a:ext>
+            </a:extLst>
+          </a:blip>
+          <a:stretch>
+            <a:fillRect/>
+          </a:stretch>
+        </p:blipFill>
+        <p:spPr>
+          <a:xfrm>
+            <a:off x="6220952" y="1929990"/>
+            <a:ext cx="5854700" cy="4394200"/>
+          </a:xfrm>
+          <a:prstGeom prst="rect">
+            <a:avLst/>
+          </a:prstGeom>
+        </p:spPr>
+      </p:pic>
+      <p:pic>
+        <p:nvPicPr>
+          <p:cNvPr id="11" name="Picture 10"/>
+          <p:cNvPicPr>
+            <a:picLocks noChangeAspect="1"/>
+          </p:cNvPicPr>
+          <p:nvPr/>
+        </p:nvPicPr>
+        <p:blipFill>
+          <a:blip r:embed="rId3">
+            <a:extLst>
+              <a:ext uri="{28A0092B-C50C-407E-A947-70E740481C1C}">
+                <a14:useLocalDpi xmlns:a14="http://schemas.microsoft.com/office/drawing/2010/main" val="0"/>
+              </a:ext>
+            </a:extLst>
+          </a:blip>
+          <a:stretch>
+            <a:fillRect/>
+          </a:stretch>
+        </p:blipFill>
+        <p:spPr>
+          <a:xfrm>
+            <a:off x="366252" y="1929990"/>
+            <a:ext cx="5854700" cy="4394200"/>
+          </a:xfrm>
+          <a:prstGeom prst="rect">
+            <a:avLst/>
+          </a:prstGeom>
+        </p:spPr>
+      </p:pic>
+    </p:spTree>
+    <p:extLst>
+      <p:ext uri="{BB962C8B-B14F-4D97-AF65-F5344CB8AC3E}">
+        <p14:creationId xmlns:p14="http://schemas.microsoft.com/office/powerpoint/2010/main" val="296515547"/>
+      </p:ext>
+    </p:extLst>
+  </p:cSld>
+  <p:clrMapOvr>
+    <a:masterClrMapping/>
+  </p:clrMapOvr>
+</p:sld>
+</file>
+
+<file path=ppt/slides/slide26.xml><?xml version="1.0" encoding="utf-8"?>
+<p:sld xmlns:a="http://schemas.openxmlformats.org/drawingml/2006/main" xmlns:r="http://schemas.openxmlformats.org/officeDocument/2006/relationships" xmlns:p="http://schemas.openxmlformats.org/presentationml/2006/main">
+  <p:cSld>
+    <p:spTree>
+      <p:nvGrpSpPr>
+        <p:cNvPr id="1" name=""/>
+        <p:cNvGrpSpPr/>
+        <p:nvPr/>
+      </p:nvGrpSpPr>
+      <p:grpSpPr>
+        <a:xfrm>
+          <a:off x="0" y="0"/>
+          <a:ext cx="0" cy="0"/>
+          <a:chOff x="0" y="0"/>
+          <a:chExt cx="0" cy="0"/>
+        </a:xfrm>
+      </p:grpSpPr>
+      <p:sp>
+        <p:nvSpPr>
+          <p:cNvPr id="2" name="Title 1"/>
+          <p:cNvSpPr>
+            <a:spLocks noGrp="1"/>
+          </p:cNvSpPr>
+          <p:nvPr>
+            <p:ph type="title"/>
+          </p:nvPr>
+        </p:nvSpPr>
+        <p:spPr/>
+        <p:txBody>
+          <a:bodyPr/>
+          <a:lstStyle/>
+          <a:p>
+            <a:r>
+              <a:rPr lang="en-US" dirty="0" smtClean="0"/>
+              <a:t>Currently</a:t>
             </a:r>
             <a:endParaRPr lang="en-US" dirty="0"/>
           </a:p>
@@ -5714,6 +7167,93 @@
             </a:r>
             <a:r>
               <a:rPr lang="en-US" dirty="0" smtClean="0"/>
+              <a:t> (DFTB): Running with new rattle</a:t>
+            </a:r>
+            <a:endParaRPr lang="en-US" dirty="0" smtClean="0"/>
+          </a:p>
+          <a:p>
+            <a:r>
+              <a:rPr lang="en-US" dirty="0" smtClean="0"/>
+              <a:t>Step: running with new calculator.</a:t>
+            </a:r>
+            <a:endParaRPr lang="en-US" dirty="0"/>
+          </a:p>
+        </p:txBody>
+      </p:sp>
+    </p:spTree>
+    <p:extLst>
+      <p:ext uri="{BB962C8B-B14F-4D97-AF65-F5344CB8AC3E}">
+        <p14:creationId xmlns:p14="http://schemas.microsoft.com/office/powerpoint/2010/main" val="331033854"/>
+      </p:ext>
+    </p:extLst>
+  </p:cSld>
+  <p:clrMapOvr>
+    <a:masterClrMapping/>
+  </p:clrMapOvr>
+</p:sld>
+</file>
+
+<file path=ppt/slides/slide27.xml><?xml version="1.0" encoding="utf-8"?>
+<p:sld xmlns:a="http://schemas.openxmlformats.org/drawingml/2006/main" xmlns:r="http://schemas.openxmlformats.org/officeDocument/2006/relationships" xmlns:p="http://schemas.openxmlformats.org/presentationml/2006/main">
+  <p:cSld>
+    <p:spTree>
+      <p:nvGrpSpPr>
+        <p:cNvPr id="1" name=""/>
+        <p:cNvGrpSpPr/>
+        <p:nvPr/>
+      </p:nvGrpSpPr>
+      <p:grpSpPr>
+        <a:xfrm>
+          <a:off x="0" y="0"/>
+          <a:ext cx="0" cy="0"/>
+          <a:chOff x="0" y="0"/>
+          <a:chExt cx="0" cy="0"/>
+        </a:xfrm>
+      </p:grpSpPr>
+      <p:sp>
+        <p:nvSpPr>
+          <p:cNvPr id="2" name="Title 1"/>
+          <p:cNvSpPr>
+            <a:spLocks noGrp="1"/>
+          </p:cNvSpPr>
+          <p:nvPr>
+            <p:ph type="title"/>
+          </p:nvPr>
+        </p:nvSpPr>
+        <p:spPr/>
+        <p:txBody>
+          <a:bodyPr/>
+          <a:lstStyle/>
+          <a:p>
+            <a:r>
+              <a:rPr lang="en-US" dirty="0" smtClean="0"/>
+              <a:t>To-do</a:t>
+            </a:r>
+            <a:endParaRPr lang="en-US" dirty="0"/>
+          </a:p>
+        </p:txBody>
+      </p:sp>
+      <p:sp>
+        <p:nvSpPr>
+          <p:cNvPr id="3" name="Content Placeholder 2"/>
+          <p:cNvSpPr>
+            <a:spLocks noGrp="1"/>
+          </p:cNvSpPr>
+          <p:nvPr>
+            <p:ph idx="1"/>
+          </p:nvPr>
+        </p:nvSpPr>
+        <p:spPr/>
+        <p:txBody>
+          <a:bodyPr/>
+          <a:lstStyle/>
+          <a:p>
+            <a:r>
+              <a:rPr lang="en-US" dirty="0" err="1" smtClean="0"/>
+              <a:t>TiO</a:t>
+            </a:r>
+            <a:r>
+              <a:rPr lang="en-US" dirty="0" smtClean="0"/>
               <a:t> (DFTB): Run with setting that improve the diversity of the</a:t>
             </a:r>
             <a:br>
@@ -5723,6 +7263,13 @@
               <a:rPr lang="en-US" dirty="0" smtClean="0"/>
               <a:t>population.</a:t>
             </a:r>
+          </a:p>
+          <a:p>
+            <a:r>
+              <a:rPr lang="en-US" dirty="0" smtClean="0"/>
+              <a:t>Plot step features</a:t>
+            </a:r>
+            <a:endParaRPr lang="en-US" dirty="0" smtClean="0"/>
           </a:p>
         </p:txBody>
       </p:sp>
@@ -5739,7 +7286,7 @@
 </p:sld>
 </file>
 
-<file path=ppt/slides/slide21.xml><?xml version="1.0" encoding="utf-8"?>
+<file path=ppt/slides/slide28.xml><?xml version="1.0" encoding="utf-8"?>
 <p:sld xmlns:a="http://schemas.openxmlformats.org/drawingml/2006/main" xmlns:r="http://schemas.openxmlformats.org/officeDocument/2006/relationships" xmlns:p="http://schemas.openxmlformats.org/presentationml/2006/main">
   <p:cSld>
     <p:spTree>
